--- a/figures/rebalencing graphic 2.pptx
+++ b/figures/rebalencing graphic 2.pptx
@@ -6,8 +6,9 @@
   </p:sldMasterIdLst>
   <p:sldIdLst>
     <p:sldId id="257" r:id="rId2"/>
-    <p:sldId id="258" r:id="rId3"/>
-    <p:sldId id="259" r:id="rId4"/>
+    <p:sldId id="260" r:id="rId3"/>
+    <p:sldId id="258" r:id="rId4"/>
+    <p:sldId id="259" r:id="rId5"/>
   </p:sldIdLst>
   <p:sldSz cx="12192000" cy="6858000"/>
   <p:notesSz cx="6858000" cy="9144000"/>
@@ -261,7 +262,7 @@
           <a:p>
             <a:fld id="{956279EC-6820-264D-9120-27CB9F653527}" type="datetimeFigureOut">
               <a:rPr lang="en-US" smtClean="0"/>
-              <a:t>6/30/21</a:t>
+              <a:t>7/22/21</a:t>
             </a:fld>
             <a:endParaRPr lang="en-US"/>
           </a:p>
@@ -459,7 +460,7 @@
           <a:p>
             <a:fld id="{956279EC-6820-264D-9120-27CB9F653527}" type="datetimeFigureOut">
               <a:rPr lang="en-US" smtClean="0"/>
-              <a:t>6/30/21</a:t>
+              <a:t>7/22/21</a:t>
             </a:fld>
             <a:endParaRPr lang="en-US"/>
           </a:p>
@@ -667,7 +668,7 @@
           <a:p>
             <a:fld id="{956279EC-6820-264D-9120-27CB9F653527}" type="datetimeFigureOut">
               <a:rPr lang="en-US" smtClean="0"/>
-              <a:t>6/30/21</a:t>
+              <a:t>7/22/21</a:t>
             </a:fld>
             <a:endParaRPr lang="en-US"/>
           </a:p>
@@ -865,7 +866,7 @@
           <a:p>
             <a:fld id="{956279EC-6820-264D-9120-27CB9F653527}" type="datetimeFigureOut">
               <a:rPr lang="en-US" smtClean="0"/>
-              <a:t>6/30/21</a:t>
+              <a:t>7/22/21</a:t>
             </a:fld>
             <a:endParaRPr lang="en-US"/>
           </a:p>
@@ -1140,7 +1141,7 @@
           <a:p>
             <a:fld id="{956279EC-6820-264D-9120-27CB9F653527}" type="datetimeFigureOut">
               <a:rPr lang="en-US" smtClean="0"/>
-              <a:t>6/30/21</a:t>
+              <a:t>7/22/21</a:t>
             </a:fld>
             <a:endParaRPr lang="en-US"/>
           </a:p>
@@ -1405,7 +1406,7 @@
           <a:p>
             <a:fld id="{956279EC-6820-264D-9120-27CB9F653527}" type="datetimeFigureOut">
               <a:rPr lang="en-US" smtClean="0"/>
-              <a:t>6/30/21</a:t>
+              <a:t>7/22/21</a:t>
             </a:fld>
             <a:endParaRPr lang="en-US"/>
           </a:p>
@@ -1817,7 +1818,7 @@
           <a:p>
             <a:fld id="{956279EC-6820-264D-9120-27CB9F653527}" type="datetimeFigureOut">
               <a:rPr lang="en-US" smtClean="0"/>
-              <a:t>6/30/21</a:t>
+              <a:t>7/22/21</a:t>
             </a:fld>
             <a:endParaRPr lang="en-US"/>
           </a:p>
@@ -1958,7 +1959,7 @@
           <a:p>
             <a:fld id="{956279EC-6820-264D-9120-27CB9F653527}" type="datetimeFigureOut">
               <a:rPr lang="en-US" smtClean="0"/>
-              <a:t>6/30/21</a:t>
+              <a:t>7/22/21</a:t>
             </a:fld>
             <a:endParaRPr lang="en-US"/>
           </a:p>
@@ -2071,7 +2072,7 @@
           <a:p>
             <a:fld id="{956279EC-6820-264D-9120-27CB9F653527}" type="datetimeFigureOut">
               <a:rPr lang="en-US" smtClean="0"/>
-              <a:t>6/30/21</a:t>
+              <a:t>7/22/21</a:t>
             </a:fld>
             <a:endParaRPr lang="en-US"/>
           </a:p>
@@ -2382,7 +2383,7 @@
           <a:p>
             <a:fld id="{956279EC-6820-264D-9120-27CB9F653527}" type="datetimeFigureOut">
               <a:rPr lang="en-US" smtClean="0"/>
-              <a:t>6/30/21</a:t>
+              <a:t>7/22/21</a:t>
             </a:fld>
             <a:endParaRPr lang="en-US"/>
           </a:p>
@@ -2670,7 +2671,7 @@
           <a:p>
             <a:fld id="{956279EC-6820-264D-9120-27CB9F653527}" type="datetimeFigureOut">
               <a:rPr lang="en-US" smtClean="0"/>
-              <a:t>6/30/21</a:t>
+              <a:t>7/22/21</a:t>
             </a:fld>
             <a:endParaRPr lang="en-US"/>
           </a:p>
@@ -2911,7 +2912,7 @@
           <a:p>
             <a:fld id="{956279EC-6820-264D-9120-27CB9F653527}" type="datetimeFigureOut">
               <a:rPr lang="en-US" smtClean="0"/>
-              <a:t>6/30/21</a:t>
+              <a:t>7/22/21</a:t>
             </a:fld>
             <a:endParaRPr lang="en-US"/>
           </a:p>
@@ -3328,12 +3329,531 @@
           <a:chExt cx="0" cy="0"/>
         </a:xfrm>
       </p:grpSpPr>
+      <p:grpSp>
+        <p:nvGrpSpPr>
+          <p:cNvPr id="3" name="Group 2">
+            <a:extLst>
+              <a:ext uri="{FF2B5EF4-FFF2-40B4-BE49-F238E27FC236}">
+                <a16:creationId xmlns:a16="http://schemas.microsoft.com/office/drawing/2014/main" id="{45F9659C-A972-E04C-BDCB-5634A55D188E}"/>
+              </a:ext>
+            </a:extLst>
+          </p:cNvPr>
+          <p:cNvGrpSpPr/>
+          <p:nvPr/>
+        </p:nvGrpSpPr>
+        <p:grpSpPr>
+          <a:xfrm>
+            <a:off x="2365587" y="668912"/>
+            <a:ext cx="1906701" cy="1967746"/>
+            <a:chOff x="2383175" y="646869"/>
+            <a:chExt cx="1906701" cy="1967746"/>
+          </a:xfrm>
+        </p:grpSpPr>
+        <p:pic>
+          <p:nvPicPr>
+            <p:cNvPr id="13" name="Picture 12" descr="Shape&#10;&#10;Description automatically generated with low confidence">
+              <a:extLst>
+                <a:ext uri="{FF2B5EF4-FFF2-40B4-BE49-F238E27FC236}">
+                  <a16:creationId xmlns:a16="http://schemas.microsoft.com/office/drawing/2014/main" id="{1777DE7D-B1BB-F943-912D-579278BECF92}"/>
+                </a:ext>
+              </a:extLst>
+            </p:cNvPr>
+            <p:cNvPicPr>
+              <a:picLocks noChangeAspect="1"/>
+            </p:cNvPicPr>
+            <p:nvPr/>
+          </p:nvPicPr>
+          <p:blipFill>
+            <a:blip r:embed="rId2"/>
+            <a:stretch>
+              <a:fillRect/>
+            </a:stretch>
+          </p:blipFill>
+          <p:spPr>
+            <a:xfrm>
+              <a:off x="2847204" y="646869"/>
+              <a:ext cx="848285" cy="848285"/>
+            </a:xfrm>
+            <a:prstGeom prst="rect">
+              <a:avLst/>
+            </a:prstGeom>
+          </p:spPr>
+        </p:pic>
+        <p:sp>
+          <p:nvSpPr>
+            <p:cNvPr id="17" name="Oval 16">
+              <a:extLst>
+                <a:ext uri="{FF2B5EF4-FFF2-40B4-BE49-F238E27FC236}">
+                  <a16:creationId xmlns:a16="http://schemas.microsoft.com/office/drawing/2014/main" id="{403A4AE5-D3D5-D749-ADB3-F1BFE74C4278}"/>
+                </a:ext>
+              </a:extLst>
+            </p:cNvPr>
+            <p:cNvSpPr/>
+            <p:nvPr/>
+          </p:nvSpPr>
+          <p:spPr>
+            <a:xfrm>
+              <a:off x="2383175" y="707914"/>
+              <a:ext cx="1906701" cy="1906701"/>
+            </a:xfrm>
+            <a:prstGeom prst="ellipse">
+              <a:avLst/>
+            </a:prstGeom>
+            <a:noFill/>
+            <a:ln w="38100">
+              <a:solidFill>
+                <a:schemeClr val="tx1"/>
+              </a:solidFill>
+            </a:ln>
+          </p:spPr>
+          <p:style>
+            <a:lnRef idx="2">
+              <a:schemeClr val="accent1">
+                <a:shade val="50000"/>
+              </a:schemeClr>
+            </a:lnRef>
+            <a:fillRef idx="1">
+              <a:schemeClr val="accent1"/>
+            </a:fillRef>
+            <a:effectRef idx="0">
+              <a:schemeClr val="accent1"/>
+            </a:effectRef>
+            <a:fontRef idx="minor">
+              <a:schemeClr val="lt1"/>
+            </a:fontRef>
+          </p:style>
+          <p:txBody>
+            <a:bodyPr rtlCol="0" anchor="ctr"/>
+            <a:lstStyle/>
+            <a:p>
+              <a:pPr algn="ctr"/>
+              <a:endParaRPr lang="en-US"/>
+            </a:p>
+          </p:txBody>
+        </p:sp>
+        <p:pic>
+          <p:nvPicPr>
+            <p:cNvPr id="21" name="Picture 20" descr="Shape&#10;&#10;Description automatically generated with low confidence">
+              <a:extLst>
+                <a:ext uri="{FF2B5EF4-FFF2-40B4-BE49-F238E27FC236}">
+                  <a16:creationId xmlns:a16="http://schemas.microsoft.com/office/drawing/2014/main" id="{A41E765B-1164-9840-9F41-C9DB72DB1034}"/>
+                </a:ext>
+              </a:extLst>
+            </p:cNvPr>
+            <p:cNvPicPr>
+              <a:picLocks noChangeAspect="1"/>
+            </p:cNvPicPr>
+            <p:nvPr/>
+          </p:nvPicPr>
+          <p:blipFill>
+            <a:blip r:embed="rId2"/>
+            <a:stretch>
+              <a:fillRect/>
+            </a:stretch>
+          </p:blipFill>
+          <p:spPr>
+            <a:xfrm>
+              <a:off x="3395277" y="1157170"/>
+              <a:ext cx="848285" cy="848285"/>
+            </a:xfrm>
+            <a:prstGeom prst="rect">
+              <a:avLst/>
+            </a:prstGeom>
+          </p:spPr>
+        </p:pic>
+        <p:pic>
+          <p:nvPicPr>
+            <p:cNvPr id="23" name="Picture 22" descr="Shape&#10;&#10;Description automatically generated with low confidence">
+              <a:extLst>
+                <a:ext uri="{FF2B5EF4-FFF2-40B4-BE49-F238E27FC236}">
+                  <a16:creationId xmlns:a16="http://schemas.microsoft.com/office/drawing/2014/main" id="{6DE85761-9221-674A-AB22-3D9202114737}"/>
+                </a:ext>
+              </a:extLst>
+            </p:cNvPr>
+            <p:cNvPicPr>
+              <a:picLocks noChangeAspect="1"/>
+            </p:cNvPicPr>
+            <p:nvPr/>
+          </p:nvPicPr>
+          <p:blipFill>
+            <a:blip r:embed="rId2"/>
+            <a:stretch>
+              <a:fillRect/>
+            </a:stretch>
+          </p:blipFill>
+          <p:spPr>
+            <a:xfrm>
+              <a:off x="2496663" y="1185349"/>
+              <a:ext cx="848285" cy="848285"/>
+            </a:xfrm>
+            <a:prstGeom prst="rect">
+              <a:avLst/>
+            </a:prstGeom>
+          </p:spPr>
+        </p:pic>
+      </p:grpSp>
+      <p:grpSp>
+        <p:nvGrpSpPr>
+          <p:cNvPr id="4" name="Group 3">
+            <a:extLst>
+              <a:ext uri="{FF2B5EF4-FFF2-40B4-BE49-F238E27FC236}">
+                <a16:creationId xmlns:a16="http://schemas.microsoft.com/office/drawing/2014/main" id="{4C8CD5AD-D401-1842-8452-75B1AA8D02A7}"/>
+              </a:ext>
+            </a:extLst>
+          </p:cNvPr>
+          <p:cNvGrpSpPr/>
+          <p:nvPr/>
+        </p:nvGrpSpPr>
+        <p:grpSpPr>
+          <a:xfrm>
+            <a:off x="2391597" y="2723103"/>
+            <a:ext cx="1906701" cy="1967745"/>
+            <a:chOff x="2391597" y="2723103"/>
+            <a:chExt cx="1906701" cy="1967745"/>
+          </a:xfrm>
+        </p:grpSpPr>
+        <p:pic>
+          <p:nvPicPr>
+            <p:cNvPr id="24" name="Picture 23" descr="Shape&#10;&#10;Description automatically generated with low confidence">
+              <a:extLst>
+                <a:ext uri="{FF2B5EF4-FFF2-40B4-BE49-F238E27FC236}">
+                  <a16:creationId xmlns:a16="http://schemas.microsoft.com/office/drawing/2014/main" id="{592122E9-B383-5440-A371-DD5AB72031D0}"/>
+                </a:ext>
+              </a:extLst>
+            </p:cNvPr>
+            <p:cNvPicPr>
+              <a:picLocks noChangeAspect="1"/>
+            </p:cNvPicPr>
+            <p:nvPr/>
+          </p:nvPicPr>
+          <p:blipFill>
+            <a:blip r:embed="rId2"/>
+            <a:stretch>
+              <a:fillRect/>
+            </a:stretch>
+          </p:blipFill>
+          <p:spPr>
+            <a:xfrm>
+              <a:off x="2855627" y="2723103"/>
+              <a:ext cx="848285" cy="848285"/>
+            </a:xfrm>
+            <a:prstGeom prst="rect">
+              <a:avLst/>
+            </a:prstGeom>
+          </p:spPr>
+        </p:pic>
+        <p:sp>
+          <p:nvSpPr>
+            <p:cNvPr id="25" name="Oval 24">
+              <a:extLst>
+                <a:ext uri="{FF2B5EF4-FFF2-40B4-BE49-F238E27FC236}">
+                  <a16:creationId xmlns:a16="http://schemas.microsoft.com/office/drawing/2014/main" id="{8C4BDFD3-F884-F549-878B-E5635A86BBBC}"/>
+                </a:ext>
+              </a:extLst>
+            </p:cNvPr>
+            <p:cNvSpPr/>
+            <p:nvPr/>
+          </p:nvSpPr>
+          <p:spPr>
+            <a:xfrm>
+              <a:off x="2391597" y="2784147"/>
+              <a:ext cx="1906701" cy="1906701"/>
+            </a:xfrm>
+            <a:prstGeom prst="ellipse">
+              <a:avLst/>
+            </a:prstGeom>
+            <a:noFill/>
+            <a:ln w="38100">
+              <a:solidFill>
+                <a:schemeClr val="tx1"/>
+              </a:solidFill>
+            </a:ln>
+          </p:spPr>
+          <p:style>
+            <a:lnRef idx="2">
+              <a:schemeClr val="accent1">
+                <a:shade val="50000"/>
+              </a:schemeClr>
+            </a:lnRef>
+            <a:fillRef idx="1">
+              <a:schemeClr val="accent1"/>
+            </a:fillRef>
+            <a:effectRef idx="0">
+              <a:schemeClr val="accent1"/>
+            </a:effectRef>
+            <a:fontRef idx="minor">
+              <a:schemeClr val="lt1"/>
+            </a:fontRef>
+          </p:style>
+          <p:txBody>
+            <a:bodyPr rtlCol="0" anchor="ctr"/>
+            <a:lstStyle/>
+            <a:p>
+              <a:pPr algn="ctr"/>
+              <a:endParaRPr lang="en-US"/>
+            </a:p>
+          </p:txBody>
+        </p:sp>
+        <p:pic>
+          <p:nvPicPr>
+            <p:cNvPr id="26" name="Picture 25" descr="Shape&#10;&#10;Description automatically generated with low confidence">
+              <a:extLst>
+                <a:ext uri="{FF2B5EF4-FFF2-40B4-BE49-F238E27FC236}">
+                  <a16:creationId xmlns:a16="http://schemas.microsoft.com/office/drawing/2014/main" id="{E12686BA-048D-D84A-847B-C5CA069828E9}"/>
+                </a:ext>
+              </a:extLst>
+            </p:cNvPr>
+            <p:cNvPicPr>
+              <a:picLocks noChangeAspect="1"/>
+            </p:cNvPicPr>
+            <p:nvPr/>
+          </p:nvPicPr>
+          <p:blipFill>
+            <a:blip r:embed="rId2"/>
+            <a:stretch>
+              <a:fillRect/>
+            </a:stretch>
+          </p:blipFill>
+          <p:spPr>
+            <a:xfrm>
+              <a:off x="3403700" y="3233403"/>
+              <a:ext cx="848285" cy="848285"/>
+            </a:xfrm>
+            <a:prstGeom prst="rect">
+              <a:avLst/>
+            </a:prstGeom>
+          </p:spPr>
+        </p:pic>
+        <p:pic>
+          <p:nvPicPr>
+            <p:cNvPr id="27" name="Picture 26" descr="Shape&#10;&#10;Description automatically generated with low confidence">
+              <a:extLst>
+                <a:ext uri="{FF2B5EF4-FFF2-40B4-BE49-F238E27FC236}">
+                  <a16:creationId xmlns:a16="http://schemas.microsoft.com/office/drawing/2014/main" id="{5A6C0B7F-72D5-CA49-9714-31E14E4590EA}"/>
+                </a:ext>
+              </a:extLst>
+            </p:cNvPr>
+            <p:cNvPicPr>
+              <a:picLocks noChangeAspect="1"/>
+            </p:cNvPicPr>
+            <p:nvPr/>
+          </p:nvPicPr>
+          <p:blipFill>
+            <a:blip r:embed="rId2"/>
+            <a:stretch>
+              <a:fillRect/>
+            </a:stretch>
+          </p:blipFill>
+          <p:spPr>
+            <a:xfrm>
+              <a:off x="2920805" y="3804748"/>
+              <a:ext cx="848285" cy="848285"/>
+            </a:xfrm>
+            <a:prstGeom prst="rect">
+              <a:avLst/>
+            </a:prstGeom>
+          </p:spPr>
+        </p:pic>
+        <p:pic>
+          <p:nvPicPr>
+            <p:cNvPr id="28" name="Picture 27" descr="Shape&#10;&#10;Description automatically generated with low confidence">
+              <a:extLst>
+                <a:ext uri="{FF2B5EF4-FFF2-40B4-BE49-F238E27FC236}">
+                  <a16:creationId xmlns:a16="http://schemas.microsoft.com/office/drawing/2014/main" id="{2DA2DF8F-7C33-C740-BDFB-90D1474F8838}"/>
+                </a:ext>
+              </a:extLst>
+            </p:cNvPr>
+            <p:cNvPicPr>
+              <a:picLocks noChangeAspect="1"/>
+            </p:cNvPicPr>
+            <p:nvPr/>
+          </p:nvPicPr>
+          <p:blipFill>
+            <a:blip r:embed="rId2"/>
+            <a:stretch>
+              <a:fillRect/>
+            </a:stretch>
+          </p:blipFill>
+          <p:spPr>
+            <a:xfrm>
+              <a:off x="2505085" y="3261582"/>
+              <a:ext cx="848285" cy="848285"/>
+            </a:xfrm>
+            <a:prstGeom prst="rect">
+              <a:avLst/>
+            </a:prstGeom>
+          </p:spPr>
+        </p:pic>
+      </p:grpSp>
+      <p:grpSp>
+        <p:nvGrpSpPr>
+          <p:cNvPr id="5" name="Group 4">
+            <a:extLst>
+              <a:ext uri="{FF2B5EF4-FFF2-40B4-BE49-F238E27FC236}">
+                <a16:creationId xmlns:a16="http://schemas.microsoft.com/office/drawing/2014/main" id="{AD437104-E852-1A4B-86A9-30C6A2A4361C}"/>
+              </a:ext>
+            </a:extLst>
+          </p:cNvPr>
+          <p:cNvGrpSpPr/>
+          <p:nvPr/>
+        </p:nvGrpSpPr>
+        <p:grpSpPr>
+          <a:xfrm>
+            <a:off x="2391597" y="4817296"/>
+            <a:ext cx="1906701" cy="1967746"/>
+            <a:chOff x="2391597" y="4817296"/>
+            <a:chExt cx="1906701" cy="1967746"/>
+          </a:xfrm>
+        </p:grpSpPr>
+        <p:pic>
+          <p:nvPicPr>
+            <p:cNvPr id="29" name="Picture 28" descr="Shape&#10;&#10;Description automatically generated with low confidence">
+              <a:extLst>
+                <a:ext uri="{FF2B5EF4-FFF2-40B4-BE49-F238E27FC236}">
+                  <a16:creationId xmlns:a16="http://schemas.microsoft.com/office/drawing/2014/main" id="{6B13DF8A-48AC-5F44-B484-1254F1D70F62}"/>
+                </a:ext>
+              </a:extLst>
+            </p:cNvPr>
+            <p:cNvPicPr>
+              <a:picLocks noChangeAspect="1"/>
+            </p:cNvPicPr>
+            <p:nvPr/>
+          </p:nvPicPr>
+          <p:blipFill>
+            <a:blip r:embed="rId2"/>
+            <a:stretch>
+              <a:fillRect/>
+            </a:stretch>
+          </p:blipFill>
+          <p:spPr>
+            <a:xfrm>
+              <a:off x="2855627" y="4817296"/>
+              <a:ext cx="848285" cy="848285"/>
+            </a:xfrm>
+            <a:prstGeom prst="rect">
+              <a:avLst/>
+            </a:prstGeom>
+          </p:spPr>
+        </p:pic>
+        <p:sp>
+          <p:nvSpPr>
+            <p:cNvPr id="30" name="Oval 29">
+              <a:extLst>
+                <a:ext uri="{FF2B5EF4-FFF2-40B4-BE49-F238E27FC236}">
+                  <a16:creationId xmlns:a16="http://schemas.microsoft.com/office/drawing/2014/main" id="{EF084186-B871-7F4E-A5DB-CE1EBE058D35}"/>
+                </a:ext>
+              </a:extLst>
+            </p:cNvPr>
+            <p:cNvSpPr/>
+            <p:nvPr/>
+          </p:nvSpPr>
+          <p:spPr>
+            <a:xfrm>
+              <a:off x="2391597" y="4878341"/>
+              <a:ext cx="1906701" cy="1906701"/>
+            </a:xfrm>
+            <a:prstGeom prst="ellipse">
+              <a:avLst/>
+            </a:prstGeom>
+            <a:noFill/>
+            <a:ln w="38100">
+              <a:solidFill>
+                <a:schemeClr val="tx1"/>
+              </a:solidFill>
+            </a:ln>
+          </p:spPr>
+          <p:style>
+            <a:lnRef idx="2">
+              <a:schemeClr val="accent1">
+                <a:shade val="50000"/>
+              </a:schemeClr>
+            </a:lnRef>
+            <a:fillRef idx="1">
+              <a:schemeClr val="accent1"/>
+            </a:fillRef>
+            <a:effectRef idx="0">
+              <a:schemeClr val="accent1"/>
+            </a:effectRef>
+            <a:fontRef idx="minor">
+              <a:schemeClr val="lt1"/>
+            </a:fontRef>
+          </p:style>
+          <p:txBody>
+            <a:bodyPr rtlCol="0" anchor="ctr"/>
+            <a:lstStyle/>
+            <a:p>
+              <a:pPr algn="ctr"/>
+              <a:endParaRPr lang="en-US"/>
+            </a:p>
+          </p:txBody>
+        </p:sp>
+        <p:pic>
+          <p:nvPicPr>
+            <p:cNvPr id="31" name="Picture 30" descr="Shape&#10;&#10;Description automatically generated with low confidence">
+              <a:extLst>
+                <a:ext uri="{FF2B5EF4-FFF2-40B4-BE49-F238E27FC236}">
+                  <a16:creationId xmlns:a16="http://schemas.microsoft.com/office/drawing/2014/main" id="{2D4AE00A-A154-6B41-8808-C02D677A2CE0}"/>
+                </a:ext>
+              </a:extLst>
+            </p:cNvPr>
+            <p:cNvPicPr>
+              <a:picLocks noChangeAspect="1"/>
+            </p:cNvPicPr>
+            <p:nvPr/>
+          </p:nvPicPr>
+          <p:blipFill>
+            <a:blip r:embed="rId2"/>
+            <a:stretch>
+              <a:fillRect/>
+            </a:stretch>
+          </p:blipFill>
+          <p:spPr>
+            <a:xfrm>
+              <a:off x="3403700" y="5327597"/>
+              <a:ext cx="848285" cy="848285"/>
+            </a:xfrm>
+            <a:prstGeom prst="rect">
+              <a:avLst/>
+            </a:prstGeom>
+          </p:spPr>
+        </p:pic>
+        <p:pic>
+          <p:nvPicPr>
+            <p:cNvPr id="32" name="Picture 31" descr="Shape&#10;&#10;Description automatically generated with low confidence">
+              <a:extLst>
+                <a:ext uri="{FF2B5EF4-FFF2-40B4-BE49-F238E27FC236}">
+                  <a16:creationId xmlns:a16="http://schemas.microsoft.com/office/drawing/2014/main" id="{531E0211-E2CC-CA4C-ABEE-FE25A5717613}"/>
+                </a:ext>
+              </a:extLst>
+            </p:cNvPr>
+            <p:cNvPicPr>
+              <a:picLocks noChangeAspect="1"/>
+            </p:cNvPicPr>
+            <p:nvPr/>
+          </p:nvPicPr>
+          <p:blipFill>
+            <a:blip r:embed="rId2"/>
+            <a:stretch>
+              <a:fillRect/>
+            </a:stretch>
+          </p:blipFill>
+          <p:spPr>
+            <a:xfrm>
+              <a:off x="2920805" y="5898942"/>
+              <a:ext cx="848285" cy="848285"/>
+            </a:xfrm>
+            <a:prstGeom prst="rect">
+              <a:avLst/>
+            </a:prstGeom>
+          </p:spPr>
+        </p:pic>
+      </p:grpSp>
       <p:pic>
         <p:nvPicPr>
-          <p:cNvPr id="13" name="Picture 12" descr="Shape&#10;&#10;Description automatically generated with low confidence">
-            <a:extLst>
-              <a:ext uri="{FF2B5EF4-FFF2-40B4-BE49-F238E27FC236}">
-                <a16:creationId xmlns:a16="http://schemas.microsoft.com/office/drawing/2014/main" id="{1777DE7D-B1BB-F943-912D-579278BECF92}"/>
+          <p:cNvPr id="38" name="Picture 37" descr="A picture containing night sky&#10;&#10;Description automatically generated">
+            <a:extLst>
+              <a:ext uri="{FF2B5EF4-FFF2-40B4-BE49-F238E27FC236}">
+                <a16:creationId xmlns:a16="http://schemas.microsoft.com/office/drawing/2014/main" id="{789847D3-2D68-2B44-AC66-5C76BEE89FC4}"/>
               </a:ext>
             </a:extLst>
           </p:cNvPr>
@@ -3342,46 +3862,15 @@
           </p:cNvPicPr>
           <p:nvPr/>
         </p:nvPicPr>
-        <p:blipFill>
-          <a:blip r:embed="rId2"/>
-          <a:stretch>
-            <a:fillRect/>
-          </a:stretch>
+        <p:blipFill rotWithShape="1">
+          <a:blip r:embed="rId3"/>
+          <a:srcRect l="23247" r="26600"/>
+          <a:stretch/>
         </p:blipFill>
         <p:spPr>
           <a:xfrm>
-            <a:off x="2847204" y="646869"/>
-            <a:ext cx="848285" cy="848285"/>
-          </a:xfrm>
-          <a:prstGeom prst="rect">
-            <a:avLst/>
-          </a:prstGeom>
-        </p:spPr>
-      </p:pic>
-      <p:pic>
-        <p:nvPicPr>
-          <p:cNvPr id="15" name="Picture 14" descr="A picture containing night sky&#10;&#10;Description automatically generated">
-            <a:extLst>
-              <a:ext uri="{FF2B5EF4-FFF2-40B4-BE49-F238E27FC236}">
-                <a16:creationId xmlns:a16="http://schemas.microsoft.com/office/drawing/2014/main" id="{C3ED13FA-D938-C64B-8325-124B29B76DD9}"/>
-              </a:ext>
-            </a:extLst>
-          </p:cNvPr>
-          <p:cNvPicPr>
-            <a:picLocks noChangeAspect="1"/>
-          </p:cNvPicPr>
-          <p:nvPr/>
-        </p:nvPicPr>
-        <p:blipFill>
-          <a:blip r:embed="rId3"/>
-          <a:stretch>
-            <a:fillRect/>
-          </a:stretch>
-        </p:blipFill>
-        <p:spPr>
-          <a:xfrm>
-            <a:off x="466267" y="3046838"/>
-            <a:ext cx="964431" cy="964431"/>
+            <a:off x="556553" y="1173266"/>
+            <a:ext cx="483701" cy="964431"/>
           </a:xfrm>
           <a:prstGeom prst="rect">
             <a:avLst/>
@@ -3390,10 +3879,10 @@
       </p:pic>
       <p:sp>
         <p:nvSpPr>
-          <p:cNvPr id="17" name="Oval 16">
-            <a:extLst>
-              <a:ext uri="{FF2B5EF4-FFF2-40B4-BE49-F238E27FC236}">
-                <a16:creationId xmlns:a16="http://schemas.microsoft.com/office/drawing/2014/main" id="{403A4AE5-D3D5-D749-ADB3-F1BFE74C4278}"/>
+          <p:cNvPr id="41" name="Oval 40">
+            <a:extLst>
+              <a:ext uri="{FF2B5EF4-FFF2-40B4-BE49-F238E27FC236}">
+                <a16:creationId xmlns:a16="http://schemas.microsoft.com/office/drawing/2014/main" id="{C6C10B8B-40B3-2C42-8322-914726983E46}"/>
               </a:ext>
             </a:extLst>
           </p:cNvPr>
@@ -3402,7 +3891,7 @@
         </p:nvSpPr>
         <p:spPr>
           <a:xfrm>
-            <a:off x="2383175" y="707914"/>
+            <a:off x="6737613" y="707914"/>
             <a:ext cx="1906701" cy="1906701"/>
           </a:xfrm>
           <a:prstGeom prst="ellipse">
@@ -3440,716 +3929,109 @@
           </a:p>
         </p:txBody>
       </p:sp>
-      <p:pic>
-        <p:nvPicPr>
-          <p:cNvPr id="21" name="Picture 20" descr="Shape&#10;&#10;Description automatically generated with low confidence">
-            <a:extLst>
-              <a:ext uri="{FF2B5EF4-FFF2-40B4-BE49-F238E27FC236}">
-                <a16:creationId xmlns:a16="http://schemas.microsoft.com/office/drawing/2014/main" id="{A41E765B-1164-9840-9F41-C9DB72DB1034}"/>
-              </a:ext>
-            </a:extLst>
-          </p:cNvPr>
-          <p:cNvPicPr>
-            <a:picLocks noChangeAspect="1"/>
-          </p:cNvPicPr>
-          <p:nvPr/>
-        </p:nvPicPr>
-        <p:blipFill>
-          <a:blip r:embed="rId2"/>
-          <a:stretch>
-            <a:fillRect/>
-          </a:stretch>
-        </p:blipFill>
-        <p:spPr>
-          <a:xfrm>
-            <a:off x="3395277" y="1157170"/>
-            <a:ext cx="848285" cy="848285"/>
-          </a:xfrm>
-          <a:prstGeom prst="rect">
-            <a:avLst/>
-          </a:prstGeom>
-        </p:spPr>
-      </p:pic>
-      <p:pic>
-        <p:nvPicPr>
-          <p:cNvPr id="23" name="Picture 22" descr="Shape&#10;&#10;Description automatically generated with low confidence">
-            <a:extLst>
-              <a:ext uri="{FF2B5EF4-FFF2-40B4-BE49-F238E27FC236}">
-                <a16:creationId xmlns:a16="http://schemas.microsoft.com/office/drawing/2014/main" id="{6DE85761-9221-674A-AB22-3D9202114737}"/>
-              </a:ext>
-            </a:extLst>
-          </p:cNvPr>
-          <p:cNvPicPr>
-            <a:picLocks noChangeAspect="1"/>
-          </p:cNvPicPr>
-          <p:nvPr/>
-        </p:nvPicPr>
-        <p:blipFill>
-          <a:blip r:embed="rId2"/>
-          <a:stretch>
-            <a:fillRect/>
-          </a:stretch>
-        </p:blipFill>
-        <p:spPr>
-          <a:xfrm>
-            <a:off x="2496663" y="1185349"/>
-            <a:ext cx="848285" cy="848285"/>
-          </a:xfrm>
-          <a:prstGeom prst="rect">
-            <a:avLst/>
-          </a:prstGeom>
-        </p:spPr>
-      </p:pic>
-      <p:pic>
-        <p:nvPicPr>
-          <p:cNvPr id="24" name="Picture 23" descr="Shape&#10;&#10;Description automatically generated with low confidence">
-            <a:extLst>
-              <a:ext uri="{FF2B5EF4-FFF2-40B4-BE49-F238E27FC236}">
-                <a16:creationId xmlns:a16="http://schemas.microsoft.com/office/drawing/2014/main" id="{592122E9-B383-5440-A371-DD5AB72031D0}"/>
-              </a:ext>
-            </a:extLst>
-          </p:cNvPr>
-          <p:cNvPicPr>
-            <a:picLocks noChangeAspect="1"/>
-          </p:cNvPicPr>
-          <p:nvPr/>
-        </p:nvPicPr>
-        <p:blipFill>
-          <a:blip r:embed="rId2"/>
-          <a:stretch>
-            <a:fillRect/>
-          </a:stretch>
-        </p:blipFill>
-        <p:spPr>
-          <a:xfrm>
-            <a:off x="2855627" y="2723103"/>
-            <a:ext cx="848285" cy="848285"/>
-          </a:xfrm>
-          <a:prstGeom prst="rect">
-            <a:avLst/>
-          </a:prstGeom>
-        </p:spPr>
-      </p:pic>
-      <p:sp>
-        <p:nvSpPr>
-          <p:cNvPr id="25" name="Oval 24">
-            <a:extLst>
-              <a:ext uri="{FF2B5EF4-FFF2-40B4-BE49-F238E27FC236}">
-                <a16:creationId xmlns:a16="http://schemas.microsoft.com/office/drawing/2014/main" id="{8C4BDFD3-F884-F549-878B-E5635A86BBBC}"/>
-              </a:ext>
-            </a:extLst>
-          </p:cNvPr>
-          <p:cNvSpPr/>
-          <p:nvPr/>
-        </p:nvSpPr>
-        <p:spPr>
-          <a:xfrm>
-            <a:off x="2391597" y="2784147"/>
-            <a:ext cx="1906701" cy="1906701"/>
-          </a:xfrm>
-          <a:prstGeom prst="ellipse">
-            <a:avLst/>
-          </a:prstGeom>
-          <a:noFill/>
-          <a:ln w="38100">
-            <a:solidFill>
-              <a:schemeClr val="tx1"/>
-            </a:solidFill>
-          </a:ln>
-        </p:spPr>
-        <p:style>
-          <a:lnRef idx="2">
-            <a:schemeClr val="accent1">
-              <a:shade val="50000"/>
-            </a:schemeClr>
-          </a:lnRef>
-          <a:fillRef idx="1">
-            <a:schemeClr val="accent1"/>
-          </a:fillRef>
-          <a:effectRef idx="0">
-            <a:schemeClr val="accent1"/>
-          </a:effectRef>
-          <a:fontRef idx="minor">
-            <a:schemeClr val="lt1"/>
-          </a:fontRef>
-        </p:style>
-        <p:txBody>
-          <a:bodyPr rtlCol="0" anchor="ctr"/>
-          <a:lstStyle/>
-          <a:p>
-            <a:pPr algn="ctr"/>
-            <a:endParaRPr lang="en-US"/>
-          </a:p>
-        </p:txBody>
-      </p:sp>
-      <p:pic>
-        <p:nvPicPr>
-          <p:cNvPr id="26" name="Picture 25" descr="Shape&#10;&#10;Description automatically generated with low confidence">
-            <a:extLst>
-              <a:ext uri="{FF2B5EF4-FFF2-40B4-BE49-F238E27FC236}">
-                <a16:creationId xmlns:a16="http://schemas.microsoft.com/office/drawing/2014/main" id="{E12686BA-048D-D84A-847B-C5CA069828E9}"/>
-              </a:ext>
-            </a:extLst>
-          </p:cNvPr>
-          <p:cNvPicPr>
-            <a:picLocks noChangeAspect="1"/>
-          </p:cNvPicPr>
-          <p:nvPr/>
-        </p:nvPicPr>
-        <p:blipFill>
-          <a:blip r:embed="rId2"/>
-          <a:stretch>
-            <a:fillRect/>
-          </a:stretch>
-        </p:blipFill>
-        <p:spPr>
-          <a:xfrm>
-            <a:off x="3403700" y="3233403"/>
-            <a:ext cx="848285" cy="848285"/>
-          </a:xfrm>
-          <a:prstGeom prst="rect">
-            <a:avLst/>
-          </a:prstGeom>
-        </p:spPr>
-      </p:pic>
-      <p:pic>
-        <p:nvPicPr>
-          <p:cNvPr id="27" name="Picture 26" descr="Shape&#10;&#10;Description automatically generated with low confidence">
-            <a:extLst>
-              <a:ext uri="{FF2B5EF4-FFF2-40B4-BE49-F238E27FC236}">
-                <a16:creationId xmlns:a16="http://schemas.microsoft.com/office/drawing/2014/main" id="{5A6C0B7F-72D5-CA49-9714-31E14E4590EA}"/>
-              </a:ext>
-            </a:extLst>
-          </p:cNvPr>
-          <p:cNvPicPr>
-            <a:picLocks noChangeAspect="1"/>
-          </p:cNvPicPr>
-          <p:nvPr/>
-        </p:nvPicPr>
-        <p:blipFill>
-          <a:blip r:embed="rId2"/>
-          <a:stretch>
-            <a:fillRect/>
-          </a:stretch>
-        </p:blipFill>
-        <p:spPr>
-          <a:xfrm>
-            <a:off x="2920805" y="3804748"/>
-            <a:ext cx="848285" cy="848285"/>
-          </a:xfrm>
-          <a:prstGeom prst="rect">
-            <a:avLst/>
-          </a:prstGeom>
-        </p:spPr>
-      </p:pic>
-      <p:pic>
-        <p:nvPicPr>
-          <p:cNvPr id="28" name="Picture 27" descr="Shape&#10;&#10;Description automatically generated with low confidence">
-            <a:extLst>
-              <a:ext uri="{FF2B5EF4-FFF2-40B4-BE49-F238E27FC236}">
-                <a16:creationId xmlns:a16="http://schemas.microsoft.com/office/drawing/2014/main" id="{2DA2DF8F-7C33-C740-BDFB-90D1474F8838}"/>
-              </a:ext>
-            </a:extLst>
-          </p:cNvPr>
-          <p:cNvPicPr>
-            <a:picLocks noChangeAspect="1"/>
-          </p:cNvPicPr>
-          <p:nvPr/>
-        </p:nvPicPr>
-        <p:blipFill>
-          <a:blip r:embed="rId2"/>
-          <a:stretch>
-            <a:fillRect/>
-          </a:stretch>
-        </p:blipFill>
-        <p:spPr>
-          <a:xfrm>
-            <a:off x="2505085" y="3261582"/>
-            <a:ext cx="848285" cy="848285"/>
-          </a:xfrm>
-          <a:prstGeom prst="rect">
-            <a:avLst/>
-          </a:prstGeom>
-        </p:spPr>
-      </p:pic>
-      <p:pic>
-        <p:nvPicPr>
-          <p:cNvPr id="29" name="Picture 28" descr="Shape&#10;&#10;Description automatically generated with low confidence">
-            <a:extLst>
-              <a:ext uri="{FF2B5EF4-FFF2-40B4-BE49-F238E27FC236}">
-                <a16:creationId xmlns:a16="http://schemas.microsoft.com/office/drawing/2014/main" id="{6B13DF8A-48AC-5F44-B484-1254F1D70F62}"/>
-              </a:ext>
-            </a:extLst>
-          </p:cNvPr>
-          <p:cNvPicPr>
-            <a:picLocks noChangeAspect="1"/>
-          </p:cNvPicPr>
-          <p:nvPr/>
-        </p:nvPicPr>
-        <p:blipFill>
-          <a:blip r:embed="rId2"/>
-          <a:stretch>
-            <a:fillRect/>
-          </a:stretch>
-        </p:blipFill>
-        <p:spPr>
-          <a:xfrm>
-            <a:off x="2855627" y="4817296"/>
-            <a:ext cx="848285" cy="848285"/>
-          </a:xfrm>
-          <a:prstGeom prst="rect">
-            <a:avLst/>
-          </a:prstGeom>
-        </p:spPr>
-      </p:pic>
-      <p:sp>
-        <p:nvSpPr>
-          <p:cNvPr id="30" name="Oval 29">
-            <a:extLst>
-              <a:ext uri="{FF2B5EF4-FFF2-40B4-BE49-F238E27FC236}">
-                <a16:creationId xmlns:a16="http://schemas.microsoft.com/office/drawing/2014/main" id="{EF084186-B871-7F4E-A5DB-CE1EBE058D35}"/>
-              </a:ext>
-            </a:extLst>
-          </p:cNvPr>
-          <p:cNvSpPr/>
-          <p:nvPr/>
-        </p:nvSpPr>
-        <p:spPr>
-          <a:xfrm>
-            <a:off x="2391597" y="4878341"/>
-            <a:ext cx="1906701" cy="1906701"/>
-          </a:xfrm>
-          <a:prstGeom prst="ellipse">
-            <a:avLst/>
-          </a:prstGeom>
-          <a:noFill/>
-          <a:ln w="38100">
-            <a:solidFill>
-              <a:schemeClr val="tx1"/>
-            </a:solidFill>
-          </a:ln>
-        </p:spPr>
-        <p:style>
-          <a:lnRef idx="2">
-            <a:schemeClr val="accent1">
-              <a:shade val="50000"/>
-            </a:schemeClr>
-          </a:lnRef>
-          <a:fillRef idx="1">
-            <a:schemeClr val="accent1"/>
-          </a:fillRef>
-          <a:effectRef idx="0">
-            <a:schemeClr val="accent1"/>
-          </a:effectRef>
-          <a:fontRef idx="minor">
-            <a:schemeClr val="lt1"/>
-          </a:fontRef>
-        </p:style>
-        <p:txBody>
-          <a:bodyPr rtlCol="0" anchor="ctr"/>
-          <a:lstStyle/>
-          <a:p>
-            <a:pPr algn="ctr"/>
-            <a:endParaRPr lang="en-US"/>
-          </a:p>
-        </p:txBody>
-      </p:sp>
-      <p:pic>
-        <p:nvPicPr>
-          <p:cNvPr id="31" name="Picture 30" descr="Shape&#10;&#10;Description automatically generated with low confidence">
-            <a:extLst>
-              <a:ext uri="{FF2B5EF4-FFF2-40B4-BE49-F238E27FC236}">
-                <a16:creationId xmlns:a16="http://schemas.microsoft.com/office/drawing/2014/main" id="{2D4AE00A-A154-6B41-8808-C02D677A2CE0}"/>
-              </a:ext>
-            </a:extLst>
-          </p:cNvPr>
-          <p:cNvPicPr>
-            <a:picLocks noChangeAspect="1"/>
-          </p:cNvPicPr>
-          <p:nvPr/>
-        </p:nvPicPr>
-        <p:blipFill>
-          <a:blip r:embed="rId2"/>
-          <a:stretch>
-            <a:fillRect/>
-          </a:stretch>
-        </p:blipFill>
-        <p:spPr>
-          <a:xfrm>
-            <a:off x="3403700" y="5327597"/>
-            <a:ext cx="848285" cy="848285"/>
-          </a:xfrm>
-          <a:prstGeom prst="rect">
-            <a:avLst/>
-          </a:prstGeom>
-        </p:spPr>
-      </p:pic>
-      <p:pic>
-        <p:nvPicPr>
-          <p:cNvPr id="32" name="Picture 31" descr="Shape&#10;&#10;Description automatically generated with low confidence">
-            <a:extLst>
-              <a:ext uri="{FF2B5EF4-FFF2-40B4-BE49-F238E27FC236}">
-                <a16:creationId xmlns:a16="http://schemas.microsoft.com/office/drawing/2014/main" id="{531E0211-E2CC-CA4C-ABEE-FE25A5717613}"/>
-              </a:ext>
-            </a:extLst>
-          </p:cNvPr>
-          <p:cNvPicPr>
-            <a:picLocks noChangeAspect="1"/>
-          </p:cNvPicPr>
-          <p:nvPr/>
-        </p:nvPicPr>
-        <p:blipFill>
-          <a:blip r:embed="rId2"/>
-          <a:stretch>
-            <a:fillRect/>
-          </a:stretch>
-        </p:blipFill>
-        <p:spPr>
-          <a:xfrm>
-            <a:off x="2920805" y="5898942"/>
-            <a:ext cx="848285" cy="848285"/>
-          </a:xfrm>
-          <a:prstGeom prst="rect">
-            <a:avLst/>
-          </a:prstGeom>
-        </p:spPr>
-      </p:pic>
-      <p:pic>
-        <p:nvPicPr>
-          <p:cNvPr id="35" name="Picture 34" descr="A picture containing night sky&#10;&#10;Description automatically generated">
-            <a:extLst>
-              <a:ext uri="{FF2B5EF4-FFF2-40B4-BE49-F238E27FC236}">
-                <a16:creationId xmlns:a16="http://schemas.microsoft.com/office/drawing/2014/main" id="{2A93BFD8-1281-C245-9F27-C6F7B9D08DC2}"/>
-              </a:ext>
-            </a:extLst>
-          </p:cNvPr>
-          <p:cNvPicPr>
-            <a:picLocks noChangeAspect="1"/>
-          </p:cNvPicPr>
-          <p:nvPr/>
-        </p:nvPicPr>
-        <p:blipFill>
-          <a:blip r:embed="rId3"/>
-          <a:stretch>
-            <a:fillRect/>
-          </a:stretch>
-        </p:blipFill>
-        <p:spPr>
-          <a:xfrm>
-            <a:off x="1296809" y="4277007"/>
-            <a:ext cx="964431" cy="964431"/>
-          </a:xfrm>
-          <a:prstGeom prst="rect">
-            <a:avLst/>
-          </a:prstGeom>
-        </p:spPr>
-      </p:pic>
-      <p:pic>
-        <p:nvPicPr>
-          <p:cNvPr id="37" name="Picture 36" descr="A picture containing night sky&#10;&#10;Description automatically generated">
-            <a:extLst>
-              <a:ext uri="{FF2B5EF4-FFF2-40B4-BE49-F238E27FC236}">
-                <a16:creationId xmlns:a16="http://schemas.microsoft.com/office/drawing/2014/main" id="{A0E185B5-6D5F-7640-9DB6-0B7B6B13DB72}"/>
-              </a:ext>
-            </a:extLst>
-          </p:cNvPr>
-          <p:cNvPicPr>
-            <a:picLocks noChangeAspect="1"/>
-          </p:cNvPicPr>
-          <p:nvPr/>
-        </p:nvPicPr>
-        <p:blipFill>
-          <a:blip r:embed="rId3"/>
-          <a:stretch>
-            <a:fillRect/>
-          </a:stretch>
-        </p:blipFill>
-        <p:spPr>
-          <a:xfrm>
-            <a:off x="466267" y="5321574"/>
-            <a:ext cx="964431" cy="964431"/>
-          </a:xfrm>
-          <a:prstGeom prst="rect">
-            <a:avLst/>
-          </a:prstGeom>
-        </p:spPr>
-      </p:pic>
-      <p:pic>
-        <p:nvPicPr>
-          <p:cNvPr id="38" name="Picture 37" descr="A picture containing night sky&#10;&#10;Description automatically generated">
-            <a:extLst>
-              <a:ext uri="{FF2B5EF4-FFF2-40B4-BE49-F238E27FC236}">
-                <a16:creationId xmlns:a16="http://schemas.microsoft.com/office/drawing/2014/main" id="{789847D3-2D68-2B44-AC66-5C76BEE89FC4}"/>
-              </a:ext>
-            </a:extLst>
-          </p:cNvPr>
-          <p:cNvPicPr>
-            <a:picLocks noChangeAspect="1"/>
-          </p:cNvPicPr>
-          <p:nvPr/>
-        </p:nvPicPr>
-        <p:blipFill>
-          <a:blip r:embed="rId3"/>
-          <a:stretch>
-            <a:fillRect/>
-          </a:stretch>
-        </p:blipFill>
-        <p:spPr>
-          <a:xfrm>
-            <a:off x="332357" y="1173266"/>
-            <a:ext cx="964431" cy="964431"/>
-          </a:xfrm>
-          <a:prstGeom prst="rect">
-            <a:avLst/>
-          </a:prstGeom>
-        </p:spPr>
-      </p:pic>
-      <p:pic>
-        <p:nvPicPr>
-          <p:cNvPr id="39" name="Picture 38" descr="A picture containing night sky&#10;&#10;Description automatically generated">
-            <a:extLst>
-              <a:ext uri="{FF2B5EF4-FFF2-40B4-BE49-F238E27FC236}">
-                <a16:creationId xmlns:a16="http://schemas.microsoft.com/office/drawing/2014/main" id="{9128C210-3859-384E-84B4-C7971B89B423}"/>
-              </a:ext>
-            </a:extLst>
-          </p:cNvPr>
-          <p:cNvPicPr>
-            <a:picLocks noChangeAspect="1"/>
-          </p:cNvPicPr>
-          <p:nvPr/>
-        </p:nvPicPr>
-        <p:blipFill>
-          <a:blip r:embed="rId3"/>
-          <a:stretch>
-            <a:fillRect/>
-          </a:stretch>
-        </p:blipFill>
-        <p:spPr>
-          <a:xfrm>
-            <a:off x="1233710" y="1809049"/>
-            <a:ext cx="964431" cy="964431"/>
-          </a:xfrm>
-          <a:prstGeom prst="rect">
-            <a:avLst/>
-          </a:prstGeom>
-        </p:spPr>
-      </p:pic>
-      <p:sp>
-        <p:nvSpPr>
-          <p:cNvPr id="41" name="Oval 40">
-            <a:extLst>
-              <a:ext uri="{FF2B5EF4-FFF2-40B4-BE49-F238E27FC236}">
-                <a16:creationId xmlns:a16="http://schemas.microsoft.com/office/drawing/2014/main" id="{C6C10B8B-40B3-2C42-8322-914726983E46}"/>
-              </a:ext>
-            </a:extLst>
-          </p:cNvPr>
-          <p:cNvSpPr/>
-          <p:nvPr/>
-        </p:nvSpPr>
-        <p:spPr>
-          <a:xfrm>
-            <a:off x="6737613" y="707914"/>
-            <a:ext cx="1906701" cy="1906701"/>
-          </a:xfrm>
-          <a:prstGeom prst="ellipse">
-            <a:avLst/>
-          </a:prstGeom>
-          <a:noFill/>
-          <a:ln w="38100">
-            <a:solidFill>
-              <a:schemeClr val="tx1"/>
-            </a:solidFill>
-          </a:ln>
-        </p:spPr>
-        <p:style>
-          <a:lnRef idx="2">
-            <a:schemeClr val="accent1">
-              <a:shade val="50000"/>
-            </a:schemeClr>
-          </a:lnRef>
-          <a:fillRef idx="1">
-            <a:schemeClr val="accent1"/>
-          </a:fillRef>
-          <a:effectRef idx="0">
-            <a:schemeClr val="accent1"/>
-          </a:effectRef>
-          <a:fontRef idx="minor">
-            <a:schemeClr val="lt1"/>
-          </a:fontRef>
-        </p:style>
-        <p:txBody>
-          <a:bodyPr rtlCol="0" anchor="ctr"/>
-          <a:lstStyle/>
-          <a:p>
-            <a:pPr algn="ctr"/>
-            <a:endParaRPr lang="en-US"/>
-          </a:p>
-        </p:txBody>
-      </p:sp>
-      <p:pic>
-        <p:nvPicPr>
-          <p:cNvPr id="44" name="Picture 43" descr="Shape&#10;&#10;Description automatically generated with low confidence">
-            <a:extLst>
-              <a:ext uri="{FF2B5EF4-FFF2-40B4-BE49-F238E27FC236}">
-                <a16:creationId xmlns:a16="http://schemas.microsoft.com/office/drawing/2014/main" id="{846FADBD-3540-0542-B863-EC21422D6E4F}"/>
-              </a:ext>
-            </a:extLst>
-          </p:cNvPr>
-          <p:cNvPicPr>
-            <a:picLocks noChangeAspect="1"/>
-          </p:cNvPicPr>
-          <p:nvPr/>
-        </p:nvPicPr>
-        <p:blipFill>
-          <a:blip r:embed="rId2"/>
-          <a:stretch>
-            <a:fillRect/>
-          </a:stretch>
-        </p:blipFill>
-        <p:spPr>
-          <a:xfrm>
-            <a:off x="7210065" y="2723103"/>
-            <a:ext cx="848285" cy="848285"/>
-          </a:xfrm>
-          <a:prstGeom prst="rect">
-            <a:avLst/>
-          </a:prstGeom>
-        </p:spPr>
-      </p:pic>
-      <p:sp>
-        <p:nvSpPr>
-          <p:cNvPr id="45" name="Oval 44">
-            <a:extLst>
-              <a:ext uri="{FF2B5EF4-FFF2-40B4-BE49-F238E27FC236}">
-                <a16:creationId xmlns:a16="http://schemas.microsoft.com/office/drawing/2014/main" id="{6305ABE0-B970-AE4B-B3C7-5A5C83C0407F}"/>
-              </a:ext>
-            </a:extLst>
-          </p:cNvPr>
-          <p:cNvSpPr/>
-          <p:nvPr/>
-        </p:nvSpPr>
-        <p:spPr>
-          <a:xfrm>
-            <a:off x="6746035" y="2784147"/>
-            <a:ext cx="1906701" cy="1906701"/>
-          </a:xfrm>
-          <a:prstGeom prst="ellipse">
-            <a:avLst/>
-          </a:prstGeom>
-          <a:noFill/>
-          <a:ln w="38100">
-            <a:solidFill>
-              <a:schemeClr val="tx1"/>
-            </a:solidFill>
-          </a:ln>
-        </p:spPr>
-        <p:style>
-          <a:lnRef idx="2">
-            <a:schemeClr val="accent1">
-              <a:shade val="50000"/>
-            </a:schemeClr>
-          </a:lnRef>
-          <a:fillRef idx="1">
-            <a:schemeClr val="accent1"/>
-          </a:fillRef>
-          <a:effectRef idx="0">
-            <a:schemeClr val="accent1"/>
-          </a:effectRef>
-          <a:fontRef idx="minor">
-            <a:schemeClr val="lt1"/>
-          </a:fontRef>
-        </p:style>
-        <p:txBody>
-          <a:bodyPr rtlCol="0" anchor="ctr"/>
-          <a:lstStyle/>
-          <a:p>
-            <a:pPr algn="ctr"/>
-            <a:endParaRPr lang="en-US" dirty="0"/>
-          </a:p>
-        </p:txBody>
-      </p:sp>
-      <p:sp>
-        <p:nvSpPr>
-          <p:cNvPr id="50" name="Oval 49">
-            <a:extLst>
-              <a:ext uri="{FF2B5EF4-FFF2-40B4-BE49-F238E27FC236}">
-                <a16:creationId xmlns:a16="http://schemas.microsoft.com/office/drawing/2014/main" id="{DD6CC89D-F84A-E143-981B-CFB285EB791E}"/>
-              </a:ext>
-            </a:extLst>
-          </p:cNvPr>
-          <p:cNvSpPr/>
-          <p:nvPr/>
-        </p:nvSpPr>
-        <p:spPr>
+      <p:grpSp>
+        <p:nvGrpSpPr>
+          <p:cNvPr id="6" name="Group 5">
+            <a:extLst>
+              <a:ext uri="{FF2B5EF4-FFF2-40B4-BE49-F238E27FC236}">
+                <a16:creationId xmlns:a16="http://schemas.microsoft.com/office/drawing/2014/main" id="{92EE1664-9475-A441-88AB-044E7CABF48A}"/>
+              </a:ext>
+            </a:extLst>
+          </p:cNvPr>
+          <p:cNvGrpSpPr/>
+          <p:nvPr/>
+        </p:nvGrpSpPr>
+        <p:grpSpPr>
           <a:xfrm>
             <a:off x="6746035" y="4878341"/>
             <a:ext cx="1906701" cy="1906701"/>
-          </a:xfrm>
-          <a:prstGeom prst="ellipse">
-            <a:avLst/>
-          </a:prstGeom>
-          <a:noFill/>
-          <a:ln w="38100">
-            <a:solidFill>
-              <a:schemeClr val="tx1"/>
-            </a:solidFill>
-          </a:ln>
-        </p:spPr>
-        <p:style>
-          <a:lnRef idx="2">
-            <a:schemeClr val="accent1">
-              <a:shade val="50000"/>
-            </a:schemeClr>
-          </a:lnRef>
-          <a:fillRef idx="1">
-            <a:schemeClr val="accent1"/>
-          </a:fillRef>
-          <a:effectRef idx="0">
-            <a:schemeClr val="accent1"/>
-          </a:effectRef>
-          <a:fontRef idx="minor">
-            <a:schemeClr val="lt1"/>
-          </a:fontRef>
-        </p:style>
-        <p:txBody>
-          <a:bodyPr rtlCol="0" anchor="ctr"/>
-          <a:lstStyle/>
-          <a:p>
-            <a:pPr algn="ctr"/>
-            <a:endParaRPr lang="en-US"/>
-          </a:p>
-        </p:txBody>
-      </p:sp>
-      <p:pic>
-        <p:nvPicPr>
-          <p:cNvPr id="52" name="Picture 51" descr="Shape&#10;&#10;Description automatically generated with low confidence">
-            <a:extLst>
-              <a:ext uri="{FF2B5EF4-FFF2-40B4-BE49-F238E27FC236}">
-                <a16:creationId xmlns:a16="http://schemas.microsoft.com/office/drawing/2014/main" id="{469F7982-CF73-624F-9351-6820746F1813}"/>
-              </a:ext>
-            </a:extLst>
-          </p:cNvPr>
-          <p:cNvPicPr>
-            <a:picLocks noChangeAspect="1"/>
-          </p:cNvPicPr>
-          <p:nvPr/>
-        </p:nvPicPr>
-        <p:blipFill>
-          <a:blip r:embed="rId2"/>
-          <a:stretch>
-            <a:fillRect/>
-          </a:stretch>
-        </p:blipFill>
-        <p:spPr>
-          <a:xfrm>
-            <a:off x="7275243" y="5898942"/>
-            <a:ext cx="848285" cy="848285"/>
-          </a:xfrm>
-          <a:prstGeom prst="rect">
-            <a:avLst/>
-          </a:prstGeom>
-        </p:spPr>
-      </p:pic>
+            <a:chOff x="6746035" y="4878341"/>
+            <a:chExt cx="1906701" cy="1906701"/>
+          </a:xfrm>
+        </p:grpSpPr>
+        <p:sp>
+          <p:nvSpPr>
+            <p:cNvPr id="50" name="Oval 49">
+              <a:extLst>
+                <a:ext uri="{FF2B5EF4-FFF2-40B4-BE49-F238E27FC236}">
+                  <a16:creationId xmlns:a16="http://schemas.microsoft.com/office/drawing/2014/main" id="{DD6CC89D-F84A-E143-981B-CFB285EB791E}"/>
+                </a:ext>
+              </a:extLst>
+            </p:cNvPr>
+            <p:cNvSpPr/>
+            <p:nvPr/>
+          </p:nvSpPr>
+          <p:spPr>
+            <a:xfrm>
+              <a:off x="6746035" y="4878341"/>
+              <a:ext cx="1906701" cy="1906701"/>
+            </a:xfrm>
+            <a:prstGeom prst="ellipse">
+              <a:avLst/>
+            </a:prstGeom>
+            <a:noFill/>
+            <a:ln w="38100">
+              <a:solidFill>
+                <a:schemeClr val="tx1"/>
+              </a:solidFill>
+            </a:ln>
+          </p:spPr>
+          <p:style>
+            <a:lnRef idx="2">
+              <a:schemeClr val="accent1">
+                <a:shade val="50000"/>
+              </a:schemeClr>
+            </a:lnRef>
+            <a:fillRef idx="1">
+              <a:schemeClr val="accent1"/>
+            </a:fillRef>
+            <a:effectRef idx="0">
+              <a:schemeClr val="accent1"/>
+            </a:effectRef>
+            <a:fontRef idx="minor">
+              <a:schemeClr val="lt1"/>
+            </a:fontRef>
+          </p:style>
+          <p:txBody>
+            <a:bodyPr rtlCol="0" anchor="ctr"/>
+            <a:lstStyle/>
+            <a:p>
+              <a:pPr algn="ctr"/>
+              <a:endParaRPr lang="en-US"/>
+            </a:p>
+          </p:txBody>
+        </p:sp>
+        <p:pic>
+          <p:nvPicPr>
+            <p:cNvPr id="52" name="Picture 51" descr="Shape&#10;&#10;Description automatically generated with low confidence">
+              <a:extLst>
+                <a:ext uri="{FF2B5EF4-FFF2-40B4-BE49-F238E27FC236}">
+                  <a16:creationId xmlns:a16="http://schemas.microsoft.com/office/drawing/2014/main" id="{469F7982-CF73-624F-9351-6820746F1813}"/>
+                </a:ext>
+              </a:extLst>
+            </p:cNvPr>
+            <p:cNvPicPr>
+              <a:picLocks noChangeAspect="1"/>
+            </p:cNvPicPr>
+            <p:nvPr/>
+          </p:nvPicPr>
+          <p:blipFill>
+            <a:blip r:embed="rId2"/>
+            <a:stretch>
+              <a:fillRect/>
+            </a:stretch>
+          </p:blipFill>
+          <p:spPr>
+            <a:xfrm>
+              <a:off x="7275243" y="5898942"/>
+              <a:ext cx="848285" cy="848285"/>
+            </a:xfrm>
+            <a:prstGeom prst="rect">
+              <a:avLst/>
+            </a:prstGeom>
+          </p:spPr>
+        </p:pic>
+      </p:grpSp>
       <p:cxnSp>
         <p:nvCxnSpPr>
           <p:cNvPr id="53" name="Straight Arrow Connector 52">
@@ -4161,14 +4043,15 @@
           </p:cNvPr>
           <p:cNvCxnSpPr>
             <a:cxnSpLocks/>
+            <a:stCxn id="38" idx="3"/>
             <a:endCxn id="17" idx="2"/>
           </p:cNvCxnSpPr>
           <p:nvPr/>
         </p:nvCxnSpPr>
         <p:spPr>
           <a:xfrm>
-            <a:off x="1123223" y="1661265"/>
-            <a:ext cx="1259952" cy="0"/>
+            <a:off x="1040254" y="1655482"/>
+            <a:ext cx="1325333" cy="27826"/>
           </a:xfrm>
           <a:prstGeom prst="straightConnector1">
             <a:avLst/>
@@ -4212,9 +4095,9 @@
           <p:nvPr/>
         </p:nvCxnSpPr>
         <p:spPr>
-          <a:xfrm>
-            <a:off x="4289876" y="1661265"/>
-            <a:ext cx="2447737" cy="0"/>
+          <a:xfrm flipV="1">
+            <a:off x="4272288" y="1661265"/>
+            <a:ext cx="2465325" cy="22043"/>
           </a:xfrm>
           <a:prstGeom prst="straightConnector1">
             <a:avLst/>
@@ -4252,14 +4135,15 @@
           </p:cNvPr>
           <p:cNvCxnSpPr>
             <a:cxnSpLocks/>
+            <a:stCxn id="63" idx="3"/>
             <a:endCxn id="25" idx="2"/>
           </p:cNvCxnSpPr>
           <p:nvPr/>
         </p:nvCxnSpPr>
         <p:spPr>
-          <a:xfrm>
-            <a:off x="1206015" y="3577804"/>
-            <a:ext cx="1185582" cy="159694"/>
+          <a:xfrm flipV="1">
+            <a:off x="1103752" y="3737498"/>
+            <a:ext cx="1287845" cy="29533"/>
           </a:xfrm>
           <a:prstGeom prst="straightConnector1">
             <a:avLst/>
@@ -4297,14 +4181,15 @@
           </p:cNvPr>
           <p:cNvCxnSpPr>
             <a:cxnSpLocks/>
+            <a:stCxn id="65" idx="3"/>
             <a:endCxn id="30" idx="2"/>
           </p:cNvCxnSpPr>
           <p:nvPr/>
         </p:nvCxnSpPr>
         <p:spPr>
           <a:xfrm>
-            <a:off x="2025085" y="4817296"/>
-            <a:ext cx="366512" cy="1014395"/>
+            <a:off x="1951397" y="4667627"/>
+            <a:ext cx="440200" cy="1164065"/>
           </a:xfrm>
           <a:prstGeom prst="straightConnector1">
             <a:avLst/>
@@ -4342,14 +4227,15 @@
           </p:cNvPr>
           <p:cNvCxnSpPr>
             <a:cxnSpLocks/>
+            <a:stCxn id="58" idx="3"/>
             <a:endCxn id="30" idx="2"/>
           </p:cNvCxnSpPr>
           <p:nvPr/>
         </p:nvCxnSpPr>
         <p:spPr>
           <a:xfrm>
-            <a:off x="1233710" y="5808470"/>
-            <a:ext cx="1157888" cy="23221"/>
+            <a:off x="1050454" y="5732204"/>
+            <a:ext cx="1341143" cy="99488"/>
           </a:xfrm>
           <a:prstGeom prst="straightConnector1">
             <a:avLst/>
@@ -4394,8 +4280,8 @@
         </p:nvCxnSpPr>
         <p:spPr>
           <a:xfrm>
-            <a:off x="4289876" y="1661265"/>
-            <a:ext cx="2456159" cy="4170427"/>
+            <a:off x="4272288" y="1683308"/>
+            <a:ext cx="2473747" cy="4148384"/>
           </a:xfrm>
           <a:prstGeom prst="straightConnector1">
             <a:avLst/>
@@ -4479,14 +4365,15 @@
           </p:cNvPr>
           <p:cNvCxnSpPr>
             <a:cxnSpLocks/>
+            <a:stCxn id="64" idx="3"/>
             <a:endCxn id="25" idx="2"/>
           </p:cNvCxnSpPr>
           <p:nvPr/>
         </p:nvCxnSpPr>
         <p:spPr>
           <a:xfrm>
-            <a:off x="1891195" y="2441300"/>
-            <a:ext cx="500402" cy="1296198"/>
+            <a:off x="1812654" y="2390637"/>
+            <a:ext cx="578943" cy="1346861"/>
           </a:xfrm>
           <a:prstGeom prst="straightConnector1">
             <a:avLst/>
@@ -4763,7 +4650,7 @@
         </p:blipFill>
         <p:spPr>
           <a:xfrm>
-            <a:off x="9919977" y="3084356"/>
+            <a:off x="10485565" y="3070968"/>
             <a:ext cx="1000840" cy="1000840"/>
           </a:xfrm>
           <a:prstGeom prst="rect">
@@ -4911,8 +4798,8 @@
         </p:nvCxnSpPr>
         <p:spPr>
           <a:xfrm>
-            <a:off x="8644314" y="1661264"/>
-            <a:ext cx="1275663" cy="1923512"/>
+            <a:off x="8644314" y="1661265"/>
+            <a:ext cx="1841251" cy="1910123"/>
           </a:xfrm>
           <a:prstGeom prst="straightConnector1">
             <a:avLst/>
@@ -4939,52 +4826,155 @@
           </a:fontRef>
         </p:style>
       </p:cxnSp>
-      <p:cxnSp>
-        <p:nvCxnSpPr>
-          <p:cNvPr id="122" name="Straight Arrow Connector 121">
-            <a:extLst>
-              <a:ext uri="{FF2B5EF4-FFF2-40B4-BE49-F238E27FC236}">
-                <a16:creationId xmlns:a16="http://schemas.microsoft.com/office/drawing/2014/main" id="{4398A11B-849D-C04A-8F4F-F2E5E64A95BD}"/>
-              </a:ext>
-            </a:extLst>
-          </p:cNvPr>
-          <p:cNvCxnSpPr>
-            <a:cxnSpLocks/>
-            <a:stCxn id="45" idx="6"/>
-            <a:endCxn id="104" idx="1"/>
-          </p:cNvCxnSpPr>
-          <p:nvPr/>
-        </p:nvCxnSpPr>
-        <p:spPr>
-          <a:xfrm>
-            <a:off x="8652737" y="3737498"/>
-            <a:ext cx="257778" cy="1005202"/>
-          </a:xfrm>
-          <a:prstGeom prst="straightConnector1">
-            <a:avLst/>
-          </a:prstGeom>
-          <a:ln w="38100">
-            <a:solidFill>
+      <p:grpSp>
+        <p:nvGrpSpPr>
+          <p:cNvPr id="7" name="Group 6">
+            <a:extLst>
+              <a:ext uri="{FF2B5EF4-FFF2-40B4-BE49-F238E27FC236}">
+                <a16:creationId xmlns:a16="http://schemas.microsoft.com/office/drawing/2014/main" id="{980541D3-AC48-4A4C-8B95-49B8BDBF2CFE}"/>
+              </a:ext>
+            </a:extLst>
+          </p:cNvPr>
+          <p:cNvGrpSpPr/>
+          <p:nvPr/>
+        </p:nvGrpSpPr>
+        <p:grpSpPr>
+          <a:xfrm>
+            <a:off x="6746035" y="2723103"/>
+            <a:ext cx="2164480" cy="2019597"/>
+            <a:chOff x="6746035" y="2723103"/>
+            <a:chExt cx="2164480" cy="2019597"/>
+          </a:xfrm>
+        </p:grpSpPr>
+        <p:pic>
+          <p:nvPicPr>
+            <p:cNvPr id="44" name="Picture 43" descr="Shape&#10;&#10;Description automatically generated with low confidence">
+              <a:extLst>
+                <a:ext uri="{FF2B5EF4-FFF2-40B4-BE49-F238E27FC236}">
+                  <a16:creationId xmlns:a16="http://schemas.microsoft.com/office/drawing/2014/main" id="{846FADBD-3540-0542-B863-EC21422D6E4F}"/>
+                </a:ext>
+              </a:extLst>
+            </p:cNvPr>
+            <p:cNvPicPr>
+              <a:picLocks noChangeAspect="1"/>
+            </p:cNvPicPr>
+            <p:nvPr/>
+          </p:nvPicPr>
+          <p:blipFill>
+            <a:blip r:embed="rId2"/>
+            <a:stretch>
+              <a:fillRect/>
+            </a:stretch>
+          </p:blipFill>
+          <p:spPr>
+            <a:xfrm>
+              <a:off x="7210065" y="2723103"/>
+              <a:ext cx="848285" cy="848285"/>
+            </a:xfrm>
+            <a:prstGeom prst="rect">
+              <a:avLst/>
+            </a:prstGeom>
+          </p:spPr>
+        </p:pic>
+        <p:sp>
+          <p:nvSpPr>
+            <p:cNvPr id="45" name="Oval 44">
+              <a:extLst>
+                <a:ext uri="{FF2B5EF4-FFF2-40B4-BE49-F238E27FC236}">
+                  <a16:creationId xmlns:a16="http://schemas.microsoft.com/office/drawing/2014/main" id="{6305ABE0-B970-AE4B-B3C7-5A5C83C0407F}"/>
+                </a:ext>
+              </a:extLst>
+            </p:cNvPr>
+            <p:cNvSpPr/>
+            <p:nvPr/>
+          </p:nvSpPr>
+          <p:spPr>
+            <a:xfrm>
+              <a:off x="6746035" y="2784147"/>
+              <a:ext cx="1906701" cy="1906701"/>
+            </a:xfrm>
+            <a:prstGeom prst="ellipse">
+              <a:avLst/>
+            </a:prstGeom>
+            <a:noFill/>
+            <a:ln w="38100">
+              <a:solidFill>
+                <a:schemeClr val="tx1"/>
+              </a:solidFill>
+            </a:ln>
+          </p:spPr>
+          <p:style>
+            <a:lnRef idx="2">
+              <a:schemeClr val="accent1">
+                <a:shade val="50000"/>
+              </a:schemeClr>
+            </a:lnRef>
+            <a:fillRef idx="1">
+              <a:schemeClr val="accent1"/>
+            </a:fillRef>
+            <a:effectRef idx="0">
+              <a:schemeClr val="accent1"/>
+            </a:effectRef>
+            <a:fontRef idx="minor">
+              <a:schemeClr val="lt1"/>
+            </a:fontRef>
+          </p:style>
+          <p:txBody>
+            <a:bodyPr rtlCol="0" anchor="ctr"/>
+            <a:lstStyle/>
+            <a:p>
+              <a:pPr algn="ctr"/>
+              <a:endParaRPr lang="en-US" dirty="0"/>
+            </a:p>
+          </p:txBody>
+        </p:sp>
+        <p:cxnSp>
+          <p:nvCxnSpPr>
+            <p:cNvPr id="122" name="Straight Arrow Connector 121">
+              <a:extLst>
+                <a:ext uri="{FF2B5EF4-FFF2-40B4-BE49-F238E27FC236}">
+                  <a16:creationId xmlns:a16="http://schemas.microsoft.com/office/drawing/2014/main" id="{4398A11B-849D-C04A-8F4F-F2E5E64A95BD}"/>
+                </a:ext>
+              </a:extLst>
+            </p:cNvPr>
+            <p:cNvCxnSpPr>
+              <a:cxnSpLocks/>
+              <a:stCxn id="45" idx="6"/>
+              <a:endCxn id="104" idx="1"/>
+            </p:cNvCxnSpPr>
+            <p:nvPr/>
+          </p:nvCxnSpPr>
+          <p:spPr>
+            <a:xfrm>
+              <a:off x="8652737" y="3737498"/>
+              <a:ext cx="257778" cy="1005202"/>
+            </a:xfrm>
+            <a:prstGeom prst="straightConnector1">
+              <a:avLst/>
+            </a:prstGeom>
+            <a:ln w="38100">
+              <a:solidFill>
+                <a:schemeClr val="tx1"/>
+              </a:solidFill>
+              <a:tailEnd type="triangle"/>
+            </a:ln>
+          </p:spPr>
+          <p:style>
+            <a:lnRef idx="1">
+              <a:schemeClr val="accent1"/>
+            </a:lnRef>
+            <a:fillRef idx="0">
+              <a:schemeClr val="accent1"/>
+            </a:fillRef>
+            <a:effectRef idx="0">
+              <a:schemeClr val="accent1"/>
+            </a:effectRef>
+            <a:fontRef idx="minor">
               <a:schemeClr val="tx1"/>
-            </a:solidFill>
-            <a:tailEnd type="triangle"/>
-          </a:ln>
-        </p:spPr>
-        <p:style>
-          <a:lnRef idx="1">
-            <a:schemeClr val="accent1"/>
-          </a:lnRef>
-          <a:fillRef idx="0">
-            <a:schemeClr val="accent1"/>
-          </a:fillRef>
-          <a:effectRef idx="0">
-            <a:schemeClr val="accent1"/>
-          </a:effectRef>
-          <a:fontRef idx="minor">
-            <a:schemeClr val="tx1"/>
-          </a:fontRef>
-        </p:style>
-      </p:cxnSp>
+            </a:fontRef>
+          </p:style>
+        </p:cxnSp>
+      </p:grpSp>
       <p:cxnSp>
         <p:nvCxnSpPr>
           <p:cNvPr id="125" name="Straight Arrow Connector 124">
@@ -5223,6 +5213,122 @@
           </a:p>
         </p:txBody>
       </p:sp>
+      <p:pic>
+        <p:nvPicPr>
+          <p:cNvPr id="58" name="Picture 57" descr="A picture containing night sky&#10;&#10;Description automatically generated">
+            <a:extLst>
+              <a:ext uri="{FF2B5EF4-FFF2-40B4-BE49-F238E27FC236}">
+                <a16:creationId xmlns:a16="http://schemas.microsoft.com/office/drawing/2014/main" id="{A8B75796-67A8-E34D-85EA-8FA729D0E633}"/>
+              </a:ext>
+            </a:extLst>
+          </p:cNvPr>
+          <p:cNvPicPr>
+            <a:picLocks noChangeAspect="1"/>
+          </p:cNvPicPr>
+          <p:nvPr/>
+        </p:nvPicPr>
+        <p:blipFill rotWithShape="1">
+          <a:blip r:embed="rId3"/>
+          <a:srcRect l="23247" r="26600"/>
+          <a:stretch/>
+        </p:blipFill>
+        <p:spPr>
+          <a:xfrm>
+            <a:off x="566753" y="5249988"/>
+            <a:ext cx="483701" cy="964431"/>
+          </a:xfrm>
+          <a:prstGeom prst="rect">
+            <a:avLst/>
+          </a:prstGeom>
+        </p:spPr>
+      </p:pic>
+      <p:pic>
+        <p:nvPicPr>
+          <p:cNvPr id="63" name="Picture 62" descr="A picture containing night sky&#10;&#10;Description automatically generated">
+            <a:extLst>
+              <a:ext uri="{FF2B5EF4-FFF2-40B4-BE49-F238E27FC236}">
+                <a16:creationId xmlns:a16="http://schemas.microsoft.com/office/drawing/2014/main" id="{E070EE72-D573-714F-A3EB-8DD9CC196623}"/>
+              </a:ext>
+            </a:extLst>
+          </p:cNvPr>
+          <p:cNvPicPr>
+            <a:picLocks noChangeAspect="1"/>
+          </p:cNvPicPr>
+          <p:nvPr/>
+        </p:nvPicPr>
+        <p:blipFill rotWithShape="1">
+          <a:blip r:embed="rId3"/>
+          <a:srcRect l="23247" r="26600"/>
+          <a:stretch/>
+        </p:blipFill>
+        <p:spPr>
+          <a:xfrm>
+            <a:off x="620051" y="3284815"/>
+            <a:ext cx="483701" cy="964431"/>
+          </a:xfrm>
+          <a:prstGeom prst="rect">
+            <a:avLst/>
+          </a:prstGeom>
+        </p:spPr>
+      </p:pic>
+      <p:pic>
+        <p:nvPicPr>
+          <p:cNvPr id="64" name="Picture 63" descr="A picture containing night sky&#10;&#10;Description automatically generated">
+            <a:extLst>
+              <a:ext uri="{FF2B5EF4-FFF2-40B4-BE49-F238E27FC236}">
+                <a16:creationId xmlns:a16="http://schemas.microsoft.com/office/drawing/2014/main" id="{89DF4B36-6D4A-1E47-801D-98716C8DCF73}"/>
+              </a:ext>
+            </a:extLst>
+          </p:cNvPr>
+          <p:cNvPicPr>
+            <a:picLocks noChangeAspect="1"/>
+          </p:cNvPicPr>
+          <p:nvPr/>
+        </p:nvPicPr>
+        <p:blipFill rotWithShape="1">
+          <a:blip r:embed="rId3"/>
+          <a:srcRect l="23247" r="26600"/>
+          <a:stretch/>
+        </p:blipFill>
+        <p:spPr>
+          <a:xfrm>
+            <a:off x="1328953" y="1908421"/>
+            <a:ext cx="483701" cy="964431"/>
+          </a:xfrm>
+          <a:prstGeom prst="rect">
+            <a:avLst/>
+          </a:prstGeom>
+        </p:spPr>
+      </p:pic>
+      <p:pic>
+        <p:nvPicPr>
+          <p:cNvPr id="65" name="Picture 64" descr="A picture containing night sky&#10;&#10;Description automatically generated">
+            <a:extLst>
+              <a:ext uri="{FF2B5EF4-FFF2-40B4-BE49-F238E27FC236}">
+                <a16:creationId xmlns:a16="http://schemas.microsoft.com/office/drawing/2014/main" id="{9B15AB34-BA3B-8244-A80D-942A39524CB5}"/>
+              </a:ext>
+            </a:extLst>
+          </p:cNvPr>
+          <p:cNvPicPr>
+            <a:picLocks noChangeAspect="1"/>
+          </p:cNvPicPr>
+          <p:nvPr/>
+        </p:nvPicPr>
+        <p:blipFill rotWithShape="1">
+          <a:blip r:embed="rId3"/>
+          <a:srcRect l="23247" r="26600"/>
+          <a:stretch/>
+        </p:blipFill>
+        <p:spPr>
+          <a:xfrm>
+            <a:off x="1467696" y="4185411"/>
+            <a:ext cx="483701" cy="964431"/>
+          </a:xfrm>
+          <a:prstGeom prst="rect">
+            <a:avLst/>
+          </a:prstGeom>
+        </p:spPr>
+      </p:pic>
     </p:spTree>
     <p:extLst>
       <p:ext uri="{BB962C8B-B14F-4D97-AF65-F5344CB8AC3E}">
@@ -5253,6 +5359,1797 @@
           <a:chExt cx="0" cy="0"/>
         </a:xfrm>
       </p:grpSpPr>
+      <p:grpSp>
+        <p:nvGrpSpPr>
+          <p:cNvPr id="5" name="Group 4">
+            <a:extLst>
+              <a:ext uri="{FF2B5EF4-FFF2-40B4-BE49-F238E27FC236}">
+                <a16:creationId xmlns:a16="http://schemas.microsoft.com/office/drawing/2014/main" id="{AD437104-E852-1A4B-86A9-30C6A2A4361C}"/>
+              </a:ext>
+            </a:extLst>
+          </p:cNvPr>
+          <p:cNvGrpSpPr/>
+          <p:nvPr/>
+        </p:nvGrpSpPr>
+        <p:grpSpPr>
+          <a:xfrm>
+            <a:off x="5248005" y="1"/>
+            <a:ext cx="2116750" cy="2184519"/>
+            <a:chOff x="2391597" y="4817296"/>
+            <a:chExt cx="1906701" cy="1967746"/>
+          </a:xfrm>
+        </p:grpSpPr>
+        <p:pic>
+          <p:nvPicPr>
+            <p:cNvPr id="29" name="Picture 28" descr="Shape&#10;&#10;Description automatically generated with low confidence">
+              <a:extLst>
+                <a:ext uri="{FF2B5EF4-FFF2-40B4-BE49-F238E27FC236}">
+                  <a16:creationId xmlns:a16="http://schemas.microsoft.com/office/drawing/2014/main" id="{6B13DF8A-48AC-5F44-B484-1254F1D70F62}"/>
+                </a:ext>
+              </a:extLst>
+            </p:cNvPr>
+            <p:cNvPicPr>
+              <a:picLocks noChangeAspect="1"/>
+            </p:cNvPicPr>
+            <p:nvPr/>
+          </p:nvPicPr>
+          <p:blipFill>
+            <a:blip r:embed="rId2"/>
+            <a:stretch>
+              <a:fillRect/>
+            </a:stretch>
+          </p:blipFill>
+          <p:spPr>
+            <a:xfrm>
+              <a:off x="2855627" y="4817296"/>
+              <a:ext cx="848285" cy="848285"/>
+            </a:xfrm>
+            <a:prstGeom prst="rect">
+              <a:avLst/>
+            </a:prstGeom>
+          </p:spPr>
+        </p:pic>
+        <p:sp>
+          <p:nvSpPr>
+            <p:cNvPr id="30" name="Oval 29">
+              <a:extLst>
+                <a:ext uri="{FF2B5EF4-FFF2-40B4-BE49-F238E27FC236}">
+                  <a16:creationId xmlns:a16="http://schemas.microsoft.com/office/drawing/2014/main" id="{EF084186-B871-7F4E-A5DB-CE1EBE058D35}"/>
+                </a:ext>
+              </a:extLst>
+            </p:cNvPr>
+            <p:cNvSpPr/>
+            <p:nvPr/>
+          </p:nvSpPr>
+          <p:spPr>
+            <a:xfrm>
+              <a:off x="2391597" y="4878341"/>
+              <a:ext cx="1906701" cy="1906701"/>
+            </a:xfrm>
+            <a:prstGeom prst="ellipse">
+              <a:avLst/>
+            </a:prstGeom>
+            <a:noFill/>
+            <a:ln w="38100">
+              <a:solidFill>
+                <a:schemeClr val="tx1"/>
+              </a:solidFill>
+            </a:ln>
+          </p:spPr>
+          <p:style>
+            <a:lnRef idx="2">
+              <a:schemeClr val="accent1">
+                <a:shade val="50000"/>
+              </a:schemeClr>
+            </a:lnRef>
+            <a:fillRef idx="1">
+              <a:schemeClr val="accent1"/>
+            </a:fillRef>
+            <a:effectRef idx="0">
+              <a:schemeClr val="accent1"/>
+            </a:effectRef>
+            <a:fontRef idx="minor">
+              <a:schemeClr val="lt1"/>
+            </a:fontRef>
+          </p:style>
+          <p:txBody>
+            <a:bodyPr rtlCol="0" anchor="ctr"/>
+            <a:lstStyle/>
+            <a:p>
+              <a:pPr algn="ctr"/>
+              <a:endParaRPr lang="en-US"/>
+            </a:p>
+          </p:txBody>
+        </p:sp>
+        <p:pic>
+          <p:nvPicPr>
+            <p:cNvPr id="31" name="Picture 30" descr="Shape&#10;&#10;Description automatically generated with low confidence">
+              <a:extLst>
+                <a:ext uri="{FF2B5EF4-FFF2-40B4-BE49-F238E27FC236}">
+                  <a16:creationId xmlns:a16="http://schemas.microsoft.com/office/drawing/2014/main" id="{2D4AE00A-A154-6B41-8808-C02D677A2CE0}"/>
+                </a:ext>
+              </a:extLst>
+            </p:cNvPr>
+            <p:cNvPicPr>
+              <a:picLocks noChangeAspect="1"/>
+            </p:cNvPicPr>
+            <p:nvPr/>
+          </p:nvPicPr>
+          <p:blipFill>
+            <a:blip r:embed="rId2"/>
+            <a:stretch>
+              <a:fillRect/>
+            </a:stretch>
+          </p:blipFill>
+          <p:spPr>
+            <a:xfrm>
+              <a:off x="3403700" y="5327597"/>
+              <a:ext cx="848285" cy="848285"/>
+            </a:xfrm>
+            <a:prstGeom prst="rect">
+              <a:avLst/>
+            </a:prstGeom>
+          </p:spPr>
+        </p:pic>
+        <p:pic>
+          <p:nvPicPr>
+            <p:cNvPr id="32" name="Picture 31" descr="Shape&#10;&#10;Description automatically generated with low confidence">
+              <a:extLst>
+                <a:ext uri="{FF2B5EF4-FFF2-40B4-BE49-F238E27FC236}">
+                  <a16:creationId xmlns:a16="http://schemas.microsoft.com/office/drawing/2014/main" id="{531E0211-E2CC-CA4C-ABEE-FE25A5717613}"/>
+                </a:ext>
+              </a:extLst>
+            </p:cNvPr>
+            <p:cNvPicPr>
+              <a:picLocks noChangeAspect="1"/>
+            </p:cNvPicPr>
+            <p:nvPr/>
+          </p:nvPicPr>
+          <p:blipFill>
+            <a:blip r:embed="rId2"/>
+            <a:stretch>
+              <a:fillRect/>
+            </a:stretch>
+          </p:blipFill>
+          <p:spPr>
+            <a:xfrm>
+              <a:off x="2920805" y="5898942"/>
+              <a:ext cx="848285" cy="848285"/>
+            </a:xfrm>
+            <a:prstGeom prst="rect">
+              <a:avLst/>
+            </a:prstGeom>
+          </p:spPr>
+        </p:pic>
+      </p:grpSp>
+      <p:grpSp>
+        <p:nvGrpSpPr>
+          <p:cNvPr id="3" name="Group 2">
+            <a:extLst>
+              <a:ext uri="{FF2B5EF4-FFF2-40B4-BE49-F238E27FC236}">
+                <a16:creationId xmlns:a16="http://schemas.microsoft.com/office/drawing/2014/main" id="{45F9659C-A972-E04C-BDCB-5634A55D188E}"/>
+              </a:ext>
+            </a:extLst>
+          </p:cNvPr>
+          <p:cNvGrpSpPr/>
+          <p:nvPr/>
+        </p:nvGrpSpPr>
+        <p:grpSpPr>
+          <a:xfrm>
+            <a:off x="6746179" y="3991279"/>
+            <a:ext cx="2116750" cy="2184519"/>
+            <a:chOff x="2383175" y="646869"/>
+            <a:chExt cx="1906701" cy="1967746"/>
+          </a:xfrm>
+        </p:grpSpPr>
+        <p:pic>
+          <p:nvPicPr>
+            <p:cNvPr id="13" name="Picture 12" descr="Shape&#10;&#10;Description automatically generated with low confidence">
+              <a:extLst>
+                <a:ext uri="{FF2B5EF4-FFF2-40B4-BE49-F238E27FC236}">
+                  <a16:creationId xmlns:a16="http://schemas.microsoft.com/office/drawing/2014/main" id="{1777DE7D-B1BB-F943-912D-579278BECF92}"/>
+                </a:ext>
+              </a:extLst>
+            </p:cNvPr>
+            <p:cNvPicPr>
+              <a:picLocks noChangeAspect="1"/>
+            </p:cNvPicPr>
+            <p:nvPr/>
+          </p:nvPicPr>
+          <p:blipFill>
+            <a:blip r:embed="rId2"/>
+            <a:stretch>
+              <a:fillRect/>
+            </a:stretch>
+          </p:blipFill>
+          <p:spPr>
+            <a:xfrm>
+              <a:off x="2847204" y="646869"/>
+              <a:ext cx="848285" cy="848285"/>
+            </a:xfrm>
+            <a:prstGeom prst="rect">
+              <a:avLst/>
+            </a:prstGeom>
+          </p:spPr>
+        </p:pic>
+        <p:sp>
+          <p:nvSpPr>
+            <p:cNvPr id="17" name="Oval 16">
+              <a:extLst>
+                <a:ext uri="{FF2B5EF4-FFF2-40B4-BE49-F238E27FC236}">
+                  <a16:creationId xmlns:a16="http://schemas.microsoft.com/office/drawing/2014/main" id="{403A4AE5-D3D5-D749-ADB3-F1BFE74C4278}"/>
+                </a:ext>
+              </a:extLst>
+            </p:cNvPr>
+            <p:cNvSpPr/>
+            <p:nvPr/>
+          </p:nvSpPr>
+          <p:spPr>
+            <a:xfrm>
+              <a:off x="2383175" y="707914"/>
+              <a:ext cx="1906701" cy="1906701"/>
+            </a:xfrm>
+            <a:prstGeom prst="ellipse">
+              <a:avLst/>
+            </a:prstGeom>
+            <a:noFill/>
+            <a:ln w="38100">
+              <a:solidFill>
+                <a:schemeClr val="tx1"/>
+              </a:solidFill>
+            </a:ln>
+          </p:spPr>
+          <p:style>
+            <a:lnRef idx="2">
+              <a:schemeClr val="accent1">
+                <a:shade val="50000"/>
+              </a:schemeClr>
+            </a:lnRef>
+            <a:fillRef idx="1">
+              <a:schemeClr val="accent1"/>
+            </a:fillRef>
+            <a:effectRef idx="0">
+              <a:schemeClr val="accent1"/>
+            </a:effectRef>
+            <a:fontRef idx="minor">
+              <a:schemeClr val="lt1"/>
+            </a:fontRef>
+          </p:style>
+          <p:txBody>
+            <a:bodyPr rtlCol="0" anchor="ctr"/>
+            <a:lstStyle/>
+            <a:p>
+              <a:pPr algn="ctr"/>
+              <a:endParaRPr lang="en-US"/>
+            </a:p>
+          </p:txBody>
+        </p:sp>
+        <p:pic>
+          <p:nvPicPr>
+            <p:cNvPr id="21" name="Picture 20" descr="Shape&#10;&#10;Description automatically generated with low confidence">
+              <a:extLst>
+                <a:ext uri="{FF2B5EF4-FFF2-40B4-BE49-F238E27FC236}">
+                  <a16:creationId xmlns:a16="http://schemas.microsoft.com/office/drawing/2014/main" id="{A41E765B-1164-9840-9F41-C9DB72DB1034}"/>
+                </a:ext>
+              </a:extLst>
+            </p:cNvPr>
+            <p:cNvPicPr>
+              <a:picLocks noChangeAspect="1"/>
+            </p:cNvPicPr>
+            <p:nvPr/>
+          </p:nvPicPr>
+          <p:blipFill>
+            <a:blip r:embed="rId2"/>
+            <a:stretch>
+              <a:fillRect/>
+            </a:stretch>
+          </p:blipFill>
+          <p:spPr>
+            <a:xfrm>
+              <a:off x="3395277" y="1157170"/>
+              <a:ext cx="848285" cy="848285"/>
+            </a:xfrm>
+            <a:prstGeom prst="rect">
+              <a:avLst/>
+            </a:prstGeom>
+          </p:spPr>
+        </p:pic>
+        <p:pic>
+          <p:nvPicPr>
+            <p:cNvPr id="23" name="Picture 22" descr="Shape&#10;&#10;Description automatically generated with low confidence">
+              <a:extLst>
+                <a:ext uri="{FF2B5EF4-FFF2-40B4-BE49-F238E27FC236}">
+                  <a16:creationId xmlns:a16="http://schemas.microsoft.com/office/drawing/2014/main" id="{6DE85761-9221-674A-AB22-3D9202114737}"/>
+                </a:ext>
+              </a:extLst>
+            </p:cNvPr>
+            <p:cNvPicPr>
+              <a:picLocks noChangeAspect="1"/>
+            </p:cNvPicPr>
+            <p:nvPr/>
+          </p:nvPicPr>
+          <p:blipFill>
+            <a:blip r:embed="rId2"/>
+            <a:stretch>
+              <a:fillRect/>
+            </a:stretch>
+          </p:blipFill>
+          <p:spPr>
+            <a:xfrm>
+              <a:off x="2496663" y="1185349"/>
+              <a:ext cx="848285" cy="848285"/>
+            </a:xfrm>
+            <a:prstGeom prst="rect">
+              <a:avLst/>
+            </a:prstGeom>
+          </p:spPr>
+        </p:pic>
+      </p:grpSp>
+      <p:grpSp>
+        <p:nvGrpSpPr>
+          <p:cNvPr id="4" name="Group 3">
+            <a:extLst>
+              <a:ext uri="{FF2B5EF4-FFF2-40B4-BE49-F238E27FC236}">
+                <a16:creationId xmlns:a16="http://schemas.microsoft.com/office/drawing/2014/main" id="{4C8CD5AD-D401-1842-8452-75B1AA8D02A7}"/>
+              </a:ext>
+            </a:extLst>
+          </p:cNvPr>
+          <p:cNvGrpSpPr/>
+          <p:nvPr/>
+        </p:nvGrpSpPr>
+        <p:grpSpPr>
+          <a:xfrm>
+            <a:off x="178876" y="2277628"/>
+            <a:ext cx="2116750" cy="2184518"/>
+            <a:chOff x="2391597" y="2723103"/>
+            <a:chExt cx="1906701" cy="1967745"/>
+          </a:xfrm>
+        </p:grpSpPr>
+        <p:pic>
+          <p:nvPicPr>
+            <p:cNvPr id="24" name="Picture 23" descr="Shape&#10;&#10;Description automatically generated with low confidence">
+              <a:extLst>
+                <a:ext uri="{FF2B5EF4-FFF2-40B4-BE49-F238E27FC236}">
+                  <a16:creationId xmlns:a16="http://schemas.microsoft.com/office/drawing/2014/main" id="{592122E9-B383-5440-A371-DD5AB72031D0}"/>
+                </a:ext>
+              </a:extLst>
+            </p:cNvPr>
+            <p:cNvPicPr>
+              <a:picLocks noChangeAspect="1"/>
+            </p:cNvPicPr>
+            <p:nvPr/>
+          </p:nvPicPr>
+          <p:blipFill>
+            <a:blip r:embed="rId2"/>
+            <a:stretch>
+              <a:fillRect/>
+            </a:stretch>
+          </p:blipFill>
+          <p:spPr>
+            <a:xfrm>
+              <a:off x="2855627" y="2723103"/>
+              <a:ext cx="848285" cy="848285"/>
+            </a:xfrm>
+            <a:prstGeom prst="rect">
+              <a:avLst/>
+            </a:prstGeom>
+          </p:spPr>
+        </p:pic>
+        <p:sp>
+          <p:nvSpPr>
+            <p:cNvPr id="25" name="Oval 24">
+              <a:extLst>
+                <a:ext uri="{FF2B5EF4-FFF2-40B4-BE49-F238E27FC236}">
+                  <a16:creationId xmlns:a16="http://schemas.microsoft.com/office/drawing/2014/main" id="{8C4BDFD3-F884-F549-878B-E5635A86BBBC}"/>
+                </a:ext>
+              </a:extLst>
+            </p:cNvPr>
+            <p:cNvSpPr/>
+            <p:nvPr/>
+          </p:nvSpPr>
+          <p:spPr>
+            <a:xfrm>
+              <a:off x="2391597" y="2784147"/>
+              <a:ext cx="1906701" cy="1906701"/>
+            </a:xfrm>
+            <a:prstGeom prst="ellipse">
+              <a:avLst/>
+            </a:prstGeom>
+            <a:noFill/>
+            <a:ln w="38100">
+              <a:solidFill>
+                <a:schemeClr val="tx1"/>
+              </a:solidFill>
+            </a:ln>
+          </p:spPr>
+          <p:style>
+            <a:lnRef idx="2">
+              <a:schemeClr val="accent1">
+                <a:shade val="50000"/>
+              </a:schemeClr>
+            </a:lnRef>
+            <a:fillRef idx="1">
+              <a:schemeClr val="accent1"/>
+            </a:fillRef>
+            <a:effectRef idx="0">
+              <a:schemeClr val="accent1"/>
+            </a:effectRef>
+            <a:fontRef idx="minor">
+              <a:schemeClr val="lt1"/>
+            </a:fontRef>
+          </p:style>
+          <p:txBody>
+            <a:bodyPr rtlCol="0" anchor="ctr"/>
+            <a:lstStyle/>
+            <a:p>
+              <a:pPr algn="ctr"/>
+              <a:endParaRPr lang="en-US"/>
+            </a:p>
+          </p:txBody>
+        </p:sp>
+        <p:pic>
+          <p:nvPicPr>
+            <p:cNvPr id="26" name="Picture 25" descr="Shape&#10;&#10;Description automatically generated with low confidence">
+              <a:extLst>
+                <a:ext uri="{FF2B5EF4-FFF2-40B4-BE49-F238E27FC236}">
+                  <a16:creationId xmlns:a16="http://schemas.microsoft.com/office/drawing/2014/main" id="{E12686BA-048D-D84A-847B-C5CA069828E9}"/>
+                </a:ext>
+              </a:extLst>
+            </p:cNvPr>
+            <p:cNvPicPr>
+              <a:picLocks noChangeAspect="1"/>
+            </p:cNvPicPr>
+            <p:nvPr/>
+          </p:nvPicPr>
+          <p:blipFill>
+            <a:blip r:embed="rId2"/>
+            <a:stretch>
+              <a:fillRect/>
+            </a:stretch>
+          </p:blipFill>
+          <p:spPr>
+            <a:xfrm>
+              <a:off x="3403700" y="3233403"/>
+              <a:ext cx="848285" cy="848285"/>
+            </a:xfrm>
+            <a:prstGeom prst="rect">
+              <a:avLst/>
+            </a:prstGeom>
+          </p:spPr>
+        </p:pic>
+        <p:pic>
+          <p:nvPicPr>
+            <p:cNvPr id="27" name="Picture 26" descr="Shape&#10;&#10;Description automatically generated with low confidence">
+              <a:extLst>
+                <a:ext uri="{FF2B5EF4-FFF2-40B4-BE49-F238E27FC236}">
+                  <a16:creationId xmlns:a16="http://schemas.microsoft.com/office/drawing/2014/main" id="{5A6C0B7F-72D5-CA49-9714-31E14E4590EA}"/>
+                </a:ext>
+              </a:extLst>
+            </p:cNvPr>
+            <p:cNvPicPr>
+              <a:picLocks noChangeAspect="1"/>
+            </p:cNvPicPr>
+            <p:nvPr/>
+          </p:nvPicPr>
+          <p:blipFill>
+            <a:blip r:embed="rId2"/>
+            <a:stretch>
+              <a:fillRect/>
+            </a:stretch>
+          </p:blipFill>
+          <p:spPr>
+            <a:xfrm>
+              <a:off x="2920805" y="3804748"/>
+              <a:ext cx="848285" cy="848285"/>
+            </a:xfrm>
+            <a:prstGeom prst="rect">
+              <a:avLst/>
+            </a:prstGeom>
+          </p:spPr>
+        </p:pic>
+        <p:pic>
+          <p:nvPicPr>
+            <p:cNvPr id="28" name="Picture 27" descr="Shape&#10;&#10;Description automatically generated with low confidence">
+              <a:extLst>
+                <a:ext uri="{FF2B5EF4-FFF2-40B4-BE49-F238E27FC236}">
+                  <a16:creationId xmlns:a16="http://schemas.microsoft.com/office/drawing/2014/main" id="{2DA2DF8F-7C33-C740-BDFB-90D1474F8838}"/>
+                </a:ext>
+              </a:extLst>
+            </p:cNvPr>
+            <p:cNvPicPr>
+              <a:picLocks noChangeAspect="1"/>
+            </p:cNvPicPr>
+            <p:nvPr/>
+          </p:nvPicPr>
+          <p:blipFill>
+            <a:blip r:embed="rId2"/>
+            <a:stretch>
+              <a:fillRect/>
+            </a:stretch>
+          </p:blipFill>
+          <p:spPr>
+            <a:xfrm>
+              <a:off x="2505085" y="3261582"/>
+              <a:ext cx="848285" cy="848285"/>
+            </a:xfrm>
+            <a:prstGeom prst="rect">
+              <a:avLst/>
+            </a:prstGeom>
+          </p:spPr>
+        </p:pic>
+      </p:grpSp>
+      <p:pic>
+        <p:nvPicPr>
+          <p:cNvPr id="38" name="Picture 37" descr="A picture containing night sky&#10;&#10;Description automatically generated">
+            <a:extLst>
+              <a:ext uri="{FF2B5EF4-FFF2-40B4-BE49-F238E27FC236}">
+                <a16:creationId xmlns:a16="http://schemas.microsoft.com/office/drawing/2014/main" id="{789847D3-2D68-2B44-AC66-5C76BEE89FC4}"/>
+              </a:ext>
+            </a:extLst>
+          </p:cNvPr>
+          <p:cNvPicPr>
+            <a:picLocks noChangeAspect="1"/>
+          </p:cNvPicPr>
+          <p:nvPr/>
+        </p:nvPicPr>
+        <p:blipFill rotWithShape="1">
+          <a:blip r:embed="rId3"/>
+          <a:srcRect l="23247" r="26600"/>
+          <a:stretch/>
+        </p:blipFill>
+        <p:spPr>
+          <a:xfrm>
+            <a:off x="10823857" y="5657179"/>
+            <a:ext cx="536987" cy="1070676"/>
+          </a:xfrm>
+          <a:prstGeom prst="rect">
+            <a:avLst/>
+          </a:prstGeom>
+        </p:spPr>
+      </p:pic>
+      <p:sp>
+        <p:nvSpPr>
+          <p:cNvPr id="41" name="Oval 40">
+            <a:extLst>
+              <a:ext uri="{FF2B5EF4-FFF2-40B4-BE49-F238E27FC236}">
+                <a16:creationId xmlns:a16="http://schemas.microsoft.com/office/drawing/2014/main" id="{C6C10B8B-40B3-2C42-8322-914726983E46}"/>
+              </a:ext>
+            </a:extLst>
+          </p:cNvPr>
+          <p:cNvSpPr/>
+          <p:nvPr/>
+        </p:nvSpPr>
+        <p:spPr>
+          <a:xfrm>
+            <a:off x="9152101" y="2025752"/>
+            <a:ext cx="2116750" cy="2116750"/>
+          </a:xfrm>
+          <a:prstGeom prst="ellipse">
+            <a:avLst/>
+          </a:prstGeom>
+          <a:noFill/>
+          <a:ln w="38100">
+            <a:solidFill>
+              <a:schemeClr val="tx1"/>
+            </a:solidFill>
+          </a:ln>
+        </p:spPr>
+        <p:style>
+          <a:lnRef idx="2">
+            <a:schemeClr val="accent1">
+              <a:shade val="50000"/>
+            </a:schemeClr>
+          </a:lnRef>
+          <a:fillRef idx="1">
+            <a:schemeClr val="accent1"/>
+          </a:fillRef>
+          <a:effectRef idx="0">
+            <a:schemeClr val="accent1"/>
+          </a:effectRef>
+          <a:fontRef idx="minor">
+            <a:schemeClr val="lt1"/>
+          </a:fontRef>
+        </p:style>
+        <p:txBody>
+          <a:bodyPr rtlCol="0" anchor="ctr"/>
+          <a:lstStyle/>
+          <a:p>
+            <a:pPr algn="ctr"/>
+            <a:endParaRPr lang="en-US"/>
+          </a:p>
+        </p:txBody>
+      </p:sp>
+      <p:grpSp>
+        <p:nvGrpSpPr>
+          <p:cNvPr id="6" name="Group 5">
+            <a:extLst>
+              <a:ext uri="{FF2B5EF4-FFF2-40B4-BE49-F238E27FC236}">
+                <a16:creationId xmlns:a16="http://schemas.microsoft.com/office/drawing/2014/main" id="{92EE1664-9475-A441-88AB-044E7CABF48A}"/>
+              </a:ext>
+            </a:extLst>
+          </p:cNvPr>
+          <p:cNvGrpSpPr/>
+          <p:nvPr/>
+        </p:nvGrpSpPr>
+        <p:grpSpPr>
+          <a:xfrm>
+            <a:off x="3100253" y="4662705"/>
+            <a:ext cx="2116750" cy="2116750"/>
+            <a:chOff x="6746035" y="4878341"/>
+            <a:chExt cx="1906701" cy="1906701"/>
+          </a:xfrm>
+        </p:grpSpPr>
+        <p:sp>
+          <p:nvSpPr>
+            <p:cNvPr id="50" name="Oval 49">
+              <a:extLst>
+                <a:ext uri="{FF2B5EF4-FFF2-40B4-BE49-F238E27FC236}">
+                  <a16:creationId xmlns:a16="http://schemas.microsoft.com/office/drawing/2014/main" id="{DD6CC89D-F84A-E143-981B-CFB285EB791E}"/>
+                </a:ext>
+              </a:extLst>
+            </p:cNvPr>
+            <p:cNvSpPr/>
+            <p:nvPr/>
+          </p:nvSpPr>
+          <p:spPr>
+            <a:xfrm>
+              <a:off x="6746035" y="4878341"/>
+              <a:ext cx="1906701" cy="1906701"/>
+            </a:xfrm>
+            <a:prstGeom prst="ellipse">
+              <a:avLst/>
+            </a:prstGeom>
+            <a:noFill/>
+            <a:ln w="38100">
+              <a:solidFill>
+                <a:schemeClr val="tx1"/>
+              </a:solidFill>
+            </a:ln>
+          </p:spPr>
+          <p:style>
+            <a:lnRef idx="2">
+              <a:schemeClr val="accent1">
+                <a:shade val="50000"/>
+              </a:schemeClr>
+            </a:lnRef>
+            <a:fillRef idx="1">
+              <a:schemeClr val="accent1"/>
+            </a:fillRef>
+            <a:effectRef idx="0">
+              <a:schemeClr val="accent1"/>
+            </a:effectRef>
+            <a:fontRef idx="minor">
+              <a:schemeClr val="lt1"/>
+            </a:fontRef>
+          </p:style>
+          <p:txBody>
+            <a:bodyPr rtlCol="0" anchor="ctr"/>
+            <a:lstStyle/>
+            <a:p>
+              <a:pPr algn="ctr"/>
+              <a:endParaRPr lang="en-US"/>
+            </a:p>
+          </p:txBody>
+        </p:sp>
+        <p:pic>
+          <p:nvPicPr>
+            <p:cNvPr id="52" name="Picture 51" descr="Shape&#10;&#10;Description automatically generated with low confidence">
+              <a:extLst>
+                <a:ext uri="{FF2B5EF4-FFF2-40B4-BE49-F238E27FC236}">
+                  <a16:creationId xmlns:a16="http://schemas.microsoft.com/office/drawing/2014/main" id="{469F7982-CF73-624F-9351-6820746F1813}"/>
+                </a:ext>
+              </a:extLst>
+            </p:cNvPr>
+            <p:cNvPicPr>
+              <a:picLocks noChangeAspect="1"/>
+            </p:cNvPicPr>
+            <p:nvPr/>
+          </p:nvPicPr>
+          <p:blipFill>
+            <a:blip r:embed="rId2"/>
+            <a:stretch>
+              <a:fillRect/>
+            </a:stretch>
+          </p:blipFill>
+          <p:spPr>
+            <a:xfrm>
+              <a:off x="7275243" y="5898942"/>
+              <a:ext cx="848285" cy="848285"/>
+            </a:xfrm>
+            <a:prstGeom prst="rect">
+              <a:avLst/>
+            </a:prstGeom>
+          </p:spPr>
+        </p:pic>
+      </p:grpSp>
+      <p:pic>
+        <p:nvPicPr>
+          <p:cNvPr id="1053" name="Picture 1052" descr="Shape&#10;&#10;Description automatically generated with low confidence">
+            <a:extLst>
+              <a:ext uri="{FF2B5EF4-FFF2-40B4-BE49-F238E27FC236}">
+                <a16:creationId xmlns:a16="http://schemas.microsoft.com/office/drawing/2014/main" id="{2F90BA81-3C01-C24B-B833-8771BBAF9D28}"/>
+              </a:ext>
+            </a:extLst>
+          </p:cNvPr>
+          <p:cNvPicPr>
+            <a:picLocks noChangeAspect="1"/>
+          </p:cNvPicPr>
+          <p:nvPr/>
+        </p:nvPicPr>
+        <p:blipFill>
+          <a:blip r:embed="rId4"/>
+          <a:stretch>
+            <a:fillRect/>
+          </a:stretch>
+        </p:blipFill>
+        <p:spPr>
+          <a:xfrm>
+            <a:off x="10937277" y="570597"/>
+            <a:ext cx="1111096" cy="1111096"/>
+          </a:xfrm>
+          <a:prstGeom prst="rect">
+            <a:avLst/>
+          </a:prstGeom>
+        </p:spPr>
+      </p:pic>
+      <p:pic>
+        <p:nvPicPr>
+          <p:cNvPr id="103" name="Picture 102" descr="Shape&#10;&#10;Description automatically generated with low confidence">
+            <a:extLst>
+              <a:ext uri="{FF2B5EF4-FFF2-40B4-BE49-F238E27FC236}">
+                <a16:creationId xmlns:a16="http://schemas.microsoft.com/office/drawing/2014/main" id="{3F4C76B4-5BB7-9243-8B33-7867821EDF5C}"/>
+              </a:ext>
+            </a:extLst>
+          </p:cNvPr>
+          <p:cNvPicPr>
+            <a:picLocks noChangeAspect="1"/>
+          </p:cNvPicPr>
+          <p:nvPr/>
+        </p:nvPicPr>
+        <p:blipFill>
+          <a:blip r:embed="rId4"/>
+          <a:stretch>
+            <a:fillRect/>
+          </a:stretch>
+        </p:blipFill>
+        <p:spPr>
+          <a:xfrm>
+            <a:off x="10902028" y="4293973"/>
+            <a:ext cx="1111096" cy="1111096"/>
+          </a:xfrm>
+          <a:prstGeom prst="rect">
+            <a:avLst/>
+          </a:prstGeom>
+        </p:spPr>
+      </p:pic>
+      <p:pic>
+        <p:nvPicPr>
+          <p:cNvPr id="104" name="Picture 103" descr="Shape&#10;&#10;Description automatically generated with low confidence">
+            <a:extLst>
+              <a:ext uri="{FF2B5EF4-FFF2-40B4-BE49-F238E27FC236}">
+                <a16:creationId xmlns:a16="http://schemas.microsoft.com/office/drawing/2014/main" id="{B378473D-D8AE-444E-ADC3-DAB130754B5E}"/>
+              </a:ext>
+            </a:extLst>
+          </p:cNvPr>
+          <p:cNvPicPr>
+            <a:picLocks noChangeAspect="1"/>
+          </p:cNvPicPr>
+          <p:nvPr/>
+        </p:nvPicPr>
+        <p:blipFill>
+          <a:blip r:embed="rId4"/>
+          <a:stretch>
+            <a:fillRect/>
+          </a:stretch>
+        </p:blipFill>
+        <p:spPr>
+          <a:xfrm>
+            <a:off x="6537672" y="2710261"/>
+            <a:ext cx="1111096" cy="1111096"/>
+          </a:xfrm>
+          <a:prstGeom prst="rect">
+            <a:avLst/>
+          </a:prstGeom>
+        </p:spPr>
+      </p:pic>
+      <p:pic>
+        <p:nvPicPr>
+          <p:cNvPr id="105" name="Picture 104" descr="Shape&#10;&#10;Description automatically generated with low confidence">
+            <a:extLst>
+              <a:ext uri="{FF2B5EF4-FFF2-40B4-BE49-F238E27FC236}">
+                <a16:creationId xmlns:a16="http://schemas.microsoft.com/office/drawing/2014/main" id="{D03E7721-8FAA-A047-BCDC-03B33988E139}"/>
+              </a:ext>
+            </a:extLst>
+          </p:cNvPr>
+          <p:cNvPicPr>
+            <a:picLocks noChangeAspect="1"/>
+          </p:cNvPicPr>
+          <p:nvPr/>
+        </p:nvPicPr>
+        <p:blipFill>
+          <a:blip r:embed="rId4"/>
+          <a:stretch>
+            <a:fillRect/>
+          </a:stretch>
+        </p:blipFill>
+        <p:spPr>
+          <a:xfrm>
+            <a:off x="2201854" y="3556161"/>
+            <a:ext cx="1111096" cy="1111096"/>
+          </a:xfrm>
+          <a:prstGeom prst="rect">
+            <a:avLst/>
+          </a:prstGeom>
+        </p:spPr>
+      </p:pic>
+      <p:pic>
+        <p:nvPicPr>
+          <p:cNvPr id="106" name="Picture 105" descr="Shape&#10;&#10;Description automatically generated with low confidence">
+            <a:extLst>
+              <a:ext uri="{FF2B5EF4-FFF2-40B4-BE49-F238E27FC236}">
+                <a16:creationId xmlns:a16="http://schemas.microsoft.com/office/drawing/2014/main" id="{30BBB379-3A89-EA4F-ADE6-C9AAC5C0F613}"/>
+              </a:ext>
+            </a:extLst>
+          </p:cNvPr>
+          <p:cNvPicPr>
+            <a:picLocks noChangeAspect="1"/>
+          </p:cNvPicPr>
+          <p:nvPr/>
+        </p:nvPicPr>
+        <p:blipFill>
+          <a:blip r:embed="rId4"/>
+          <a:stretch>
+            <a:fillRect/>
+          </a:stretch>
+        </p:blipFill>
+        <p:spPr>
+          <a:xfrm>
+            <a:off x="1323827" y="301776"/>
+            <a:ext cx="1111096" cy="1111096"/>
+          </a:xfrm>
+          <a:prstGeom prst="rect">
+            <a:avLst/>
+          </a:prstGeom>
+        </p:spPr>
+      </p:pic>
+      <p:grpSp>
+        <p:nvGrpSpPr>
+          <p:cNvPr id="9" name="Group 8">
+            <a:extLst>
+              <a:ext uri="{FF2B5EF4-FFF2-40B4-BE49-F238E27FC236}">
+                <a16:creationId xmlns:a16="http://schemas.microsoft.com/office/drawing/2014/main" id="{F29ED23D-19A7-8842-9F5A-ED4A72791907}"/>
+              </a:ext>
+            </a:extLst>
+          </p:cNvPr>
+          <p:cNvGrpSpPr/>
+          <p:nvPr/>
+        </p:nvGrpSpPr>
+        <p:grpSpPr>
+          <a:xfrm>
+            <a:off x="3560971" y="2109455"/>
+            <a:ext cx="2116750" cy="2184518"/>
+            <a:chOff x="6746035" y="2723103"/>
+            <a:chExt cx="1906701" cy="1967745"/>
+          </a:xfrm>
+        </p:grpSpPr>
+        <p:pic>
+          <p:nvPicPr>
+            <p:cNvPr id="44" name="Picture 43" descr="Shape&#10;&#10;Description automatically generated with low confidence">
+              <a:extLst>
+                <a:ext uri="{FF2B5EF4-FFF2-40B4-BE49-F238E27FC236}">
+                  <a16:creationId xmlns:a16="http://schemas.microsoft.com/office/drawing/2014/main" id="{846FADBD-3540-0542-B863-EC21422D6E4F}"/>
+                </a:ext>
+              </a:extLst>
+            </p:cNvPr>
+            <p:cNvPicPr>
+              <a:picLocks noChangeAspect="1"/>
+            </p:cNvPicPr>
+            <p:nvPr/>
+          </p:nvPicPr>
+          <p:blipFill>
+            <a:blip r:embed="rId2"/>
+            <a:stretch>
+              <a:fillRect/>
+            </a:stretch>
+          </p:blipFill>
+          <p:spPr>
+            <a:xfrm>
+              <a:off x="7210065" y="2723103"/>
+              <a:ext cx="848285" cy="848285"/>
+            </a:xfrm>
+            <a:prstGeom prst="rect">
+              <a:avLst/>
+            </a:prstGeom>
+          </p:spPr>
+        </p:pic>
+        <p:sp>
+          <p:nvSpPr>
+            <p:cNvPr id="45" name="Oval 44">
+              <a:extLst>
+                <a:ext uri="{FF2B5EF4-FFF2-40B4-BE49-F238E27FC236}">
+                  <a16:creationId xmlns:a16="http://schemas.microsoft.com/office/drawing/2014/main" id="{6305ABE0-B970-AE4B-B3C7-5A5C83C0407F}"/>
+                </a:ext>
+              </a:extLst>
+            </p:cNvPr>
+            <p:cNvSpPr/>
+            <p:nvPr/>
+          </p:nvSpPr>
+          <p:spPr>
+            <a:xfrm>
+              <a:off x="6746035" y="2784147"/>
+              <a:ext cx="1906701" cy="1906701"/>
+            </a:xfrm>
+            <a:prstGeom prst="ellipse">
+              <a:avLst/>
+            </a:prstGeom>
+            <a:noFill/>
+            <a:ln w="38100">
+              <a:solidFill>
+                <a:schemeClr val="tx1"/>
+              </a:solidFill>
+            </a:ln>
+          </p:spPr>
+          <p:style>
+            <a:lnRef idx="2">
+              <a:schemeClr val="accent1">
+                <a:shade val="50000"/>
+              </a:schemeClr>
+            </a:lnRef>
+            <a:fillRef idx="1">
+              <a:schemeClr val="accent1"/>
+            </a:fillRef>
+            <a:effectRef idx="0">
+              <a:schemeClr val="accent1"/>
+            </a:effectRef>
+            <a:fontRef idx="minor">
+              <a:schemeClr val="lt1"/>
+            </a:fontRef>
+          </p:style>
+          <p:txBody>
+            <a:bodyPr rtlCol="0" anchor="ctr"/>
+            <a:lstStyle/>
+            <a:p>
+              <a:pPr algn="ctr"/>
+              <a:endParaRPr lang="en-US" dirty="0"/>
+            </a:p>
+          </p:txBody>
+        </p:sp>
+      </p:grpSp>
+      <p:pic>
+        <p:nvPicPr>
+          <p:cNvPr id="58" name="Picture 57" descr="A picture containing night sky&#10;&#10;Description automatically generated">
+            <a:extLst>
+              <a:ext uri="{FF2B5EF4-FFF2-40B4-BE49-F238E27FC236}">
+                <a16:creationId xmlns:a16="http://schemas.microsoft.com/office/drawing/2014/main" id="{A8B75796-67A8-E34D-85EA-8FA729D0E633}"/>
+              </a:ext>
+            </a:extLst>
+          </p:cNvPr>
+          <p:cNvPicPr>
+            <a:picLocks noChangeAspect="1"/>
+          </p:cNvPicPr>
+          <p:nvPr/>
+        </p:nvPicPr>
+        <p:blipFill rotWithShape="1">
+          <a:blip r:embed="rId3"/>
+          <a:srcRect l="23247" r="26600"/>
+          <a:stretch/>
+        </p:blipFill>
+        <p:spPr>
+          <a:xfrm>
+            <a:off x="421690" y="5309222"/>
+            <a:ext cx="536987" cy="1070676"/>
+          </a:xfrm>
+          <a:prstGeom prst="rect">
+            <a:avLst/>
+          </a:prstGeom>
+        </p:spPr>
+      </p:pic>
+      <p:pic>
+        <p:nvPicPr>
+          <p:cNvPr id="63" name="Picture 62" descr="A picture containing night sky&#10;&#10;Description automatically generated">
+            <a:extLst>
+              <a:ext uri="{FF2B5EF4-FFF2-40B4-BE49-F238E27FC236}">
+                <a16:creationId xmlns:a16="http://schemas.microsoft.com/office/drawing/2014/main" id="{E070EE72-D573-714F-A3EB-8DD9CC196623}"/>
+              </a:ext>
+            </a:extLst>
+          </p:cNvPr>
+          <p:cNvPicPr>
+            <a:picLocks noChangeAspect="1"/>
+          </p:cNvPicPr>
+          <p:nvPr/>
+        </p:nvPicPr>
+        <p:blipFill rotWithShape="1">
+          <a:blip r:embed="rId3"/>
+          <a:srcRect l="23247" r="26600"/>
+          <a:stretch/>
+        </p:blipFill>
+        <p:spPr>
+          <a:xfrm>
+            <a:off x="3216150" y="286283"/>
+            <a:ext cx="536987" cy="1070676"/>
+          </a:xfrm>
+          <a:prstGeom prst="rect">
+            <a:avLst/>
+          </a:prstGeom>
+        </p:spPr>
+      </p:pic>
+      <p:pic>
+        <p:nvPicPr>
+          <p:cNvPr id="64" name="Picture 63" descr="A picture containing night sky&#10;&#10;Description automatically generated">
+            <a:extLst>
+              <a:ext uri="{FF2B5EF4-FFF2-40B4-BE49-F238E27FC236}">
+                <a16:creationId xmlns:a16="http://schemas.microsoft.com/office/drawing/2014/main" id="{89DF4B36-6D4A-1E47-801D-98716C8DCF73}"/>
+              </a:ext>
+            </a:extLst>
+          </p:cNvPr>
+          <p:cNvPicPr>
+            <a:picLocks noChangeAspect="1"/>
+          </p:cNvPicPr>
+          <p:nvPr/>
+        </p:nvPicPr>
+        <p:blipFill rotWithShape="1">
+          <a:blip r:embed="rId3"/>
+          <a:srcRect l="23247" r="26600"/>
+          <a:stretch/>
+        </p:blipFill>
+        <p:spPr>
+          <a:xfrm>
+            <a:off x="5210637" y="5731267"/>
+            <a:ext cx="536987" cy="1070676"/>
+          </a:xfrm>
+          <a:prstGeom prst="rect">
+            <a:avLst/>
+          </a:prstGeom>
+        </p:spPr>
+      </p:pic>
+      <p:pic>
+        <p:nvPicPr>
+          <p:cNvPr id="65" name="Picture 64" descr="A picture containing night sky&#10;&#10;Description automatically generated">
+            <a:extLst>
+              <a:ext uri="{FF2B5EF4-FFF2-40B4-BE49-F238E27FC236}">
+                <a16:creationId xmlns:a16="http://schemas.microsoft.com/office/drawing/2014/main" id="{9B15AB34-BA3B-8244-A80D-942A39524CB5}"/>
+              </a:ext>
+            </a:extLst>
+          </p:cNvPr>
+          <p:cNvPicPr>
+            <a:picLocks noChangeAspect="1"/>
+          </p:cNvPicPr>
+          <p:nvPr/>
+        </p:nvPicPr>
+        <p:blipFill rotWithShape="1">
+          <a:blip r:embed="rId3"/>
+          <a:srcRect l="23247" r="26600"/>
+          <a:stretch/>
+        </p:blipFill>
+        <p:spPr>
+          <a:xfrm>
+            <a:off x="8919861" y="665466"/>
+            <a:ext cx="536987" cy="1070676"/>
+          </a:xfrm>
+          <a:prstGeom prst="rect">
+            <a:avLst/>
+          </a:prstGeom>
+        </p:spPr>
+      </p:pic>
+      <p:cxnSp>
+        <p:nvCxnSpPr>
+          <p:cNvPr id="11" name="Straight Arrow Connector 10">
+            <a:extLst>
+              <a:ext uri="{FF2B5EF4-FFF2-40B4-BE49-F238E27FC236}">
+                <a16:creationId xmlns:a16="http://schemas.microsoft.com/office/drawing/2014/main" id="{9B09D3DF-389D-1042-83E7-67EA0B3E33A6}"/>
+              </a:ext>
+            </a:extLst>
+          </p:cNvPr>
+          <p:cNvCxnSpPr>
+            <a:stCxn id="58" idx="3"/>
+            <a:endCxn id="25" idx="4"/>
+          </p:cNvCxnSpPr>
+          <p:nvPr/>
+        </p:nvCxnSpPr>
+        <p:spPr>
+          <a:xfrm flipV="1">
+            <a:off x="958677" y="4462146"/>
+            <a:ext cx="278574" cy="1382414"/>
+          </a:xfrm>
+          <a:prstGeom prst="straightConnector1">
+            <a:avLst/>
+          </a:prstGeom>
+          <a:ln w="38100">
+            <a:solidFill>
+              <a:srgbClr val="FFC000"/>
+            </a:solidFill>
+            <a:headEnd type="oval" w="med" len="med"/>
+            <a:tailEnd type="triangle" w="lg" len="lg"/>
+          </a:ln>
+        </p:spPr>
+        <p:style>
+          <a:lnRef idx="1">
+            <a:schemeClr val="dk1"/>
+          </a:lnRef>
+          <a:fillRef idx="0">
+            <a:schemeClr val="dk1"/>
+          </a:fillRef>
+          <a:effectRef idx="0">
+            <a:schemeClr val="dk1"/>
+          </a:effectRef>
+          <a:fontRef idx="minor">
+            <a:schemeClr val="tx1"/>
+          </a:fontRef>
+        </p:style>
+      </p:cxnSp>
+      <p:cxnSp>
+        <p:nvCxnSpPr>
+          <p:cNvPr id="16" name="Straight Arrow Connector 15">
+            <a:extLst>
+              <a:ext uri="{FF2B5EF4-FFF2-40B4-BE49-F238E27FC236}">
+                <a16:creationId xmlns:a16="http://schemas.microsoft.com/office/drawing/2014/main" id="{6513A80D-17D4-F24E-83A2-35D9EC60DDFD}"/>
+              </a:ext>
+            </a:extLst>
+          </p:cNvPr>
+          <p:cNvCxnSpPr>
+            <a:stCxn id="25" idx="6"/>
+            <a:endCxn id="45" idx="2"/>
+          </p:cNvCxnSpPr>
+          <p:nvPr/>
+        </p:nvCxnSpPr>
+        <p:spPr>
+          <a:xfrm flipV="1">
+            <a:off x="2295626" y="3235599"/>
+            <a:ext cx="1265345" cy="168173"/>
+          </a:xfrm>
+          <a:prstGeom prst="straightConnector1">
+            <a:avLst/>
+          </a:prstGeom>
+          <a:ln w="38100">
+            <a:solidFill>
+              <a:srgbClr val="FFC000"/>
+            </a:solidFill>
+            <a:headEnd type="oval" w="med" len="med"/>
+            <a:tailEnd type="triangle" w="med" len="med"/>
+          </a:ln>
+        </p:spPr>
+        <p:style>
+          <a:lnRef idx="1">
+            <a:schemeClr val="dk1"/>
+          </a:lnRef>
+          <a:fillRef idx="0">
+            <a:schemeClr val="dk1"/>
+          </a:fillRef>
+          <a:effectRef idx="0">
+            <a:schemeClr val="dk1"/>
+          </a:effectRef>
+          <a:fontRef idx="minor">
+            <a:schemeClr val="tx1"/>
+          </a:fontRef>
+        </p:style>
+      </p:cxnSp>
+      <p:cxnSp>
+        <p:nvCxnSpPr>
+          <p:cNvPr id="22" name="Straight Arrow Connector 21">
+            <a:extLst>
+              <a:ext uri="{FF2B5EF4-FFF2-40B4-BE49-F238E27FC236}">
+                <a16:creationId xmlns:a16="http://schemas.microsoft.com/office/drawing/2014/main" id="{3ABAA262-6F7C-324B-A8FC-AA5B1271B413}"/>
+              </a:ext>
+            </a:extLst>
+          </p:cNvPr>
+          <p:cNvCxnSpPr>
+            <a:stCxn id="45" idx="5"/>
+            <a:endCxn id="104" idx="1"/>
+          </p:cNvCxnSpPr>
+          <p:nvPr/>
+        </p:nvCxnSpPr>
+        <p:spPr>
+          <a:xfrm flipV="1">
+            <a:off x="5367729" y="3265809"/>
+            <a:ext cx="1169942" cy="718174"/>
+          </a:xfrm>
+          <a:prstGeom prst="straightConnector1">
+            <a:avLst/>
+          </a:prstGeom>
+          <a:ln w="38100">
+            <a:solidFill>
+              <a:srgbClr val="FFC000"/>
+            </a:solidFill>
+            <a:headEnd type="oval" w="med" len="med"/>
+            <a:tailEnd type="triangle" w="lg" len="lg"/>
+          </a:ln>
+        </p:spPr>
+        <p:style>
+          <a:lnRef idx="1">
+            <a:schemeClr val="dk1"/>
+          </a:lnRef>
+          <a:fillRef idx="0">
+            <a:schemeClr val="dk1"/>
+          </a:fillRef>
+          <a:effectRef idx="0">
+            <a:schemeClr val="dk1"/>
+          </a:effectRef>
+          <a:fontRef idx="minor">
+            <a:schemeClr val="tx1"/>
+          </a:fontRef>
+        </p:style>
+      </p:cxnSp>
+      <p:cxnSp>
+        <p:nvCxnSpPr>
+          <p:cNvPr id="34" name="Straight Arrow Connector 33">
+            <a:extLst>
+              <a:ext uri="{FF2B5EF4-FFF2-40B4-BE49-F238E27FC236}">
+                <a16:creationId xmlns:a16="http://schemas.microsoft.com/office/drawing/2014/main" id="{3D9245AC-A7FB-2746-94B1-7628658170C5}"/>
+              </a:ext>
+            </a:extLst>
+          </p:cNvPr>
+          <p:cNvCxnSpPr>
+            <a:stCxn id="64" idx="3"/>
+            <a:endCxn id="17" idx="2"/>
+          </p:cNvCxnSpPr>
+          <p:nvPr/>
+        </p:nvCxnSpPr>
+        <p:spPr>
+          <a:xfrm flipV="1">
+            <a:off x="5747624" y="5117424"/>
+            <a:ext cx="998555" cy="1149181"/>
+          </a:xfrm>
+          <a:prstGeom prst="straightConnector1">
+            <a:avLst/>
+          </a:prstGeom>
+          <a:ln w="38100">
+            <a:solidFill>
+              <a:srgbClr val="00B0F0"/>
+            </a:solidFill>
+            <a:headEnd type="oval" w="med" len="med"/>
+            <a:tailEnd type="triangle" w="lg" len="lg"/>
+          </a:ln>
+        </p:spPr>
+        <p:style>
+          <a:lnRef idx="1">
+            <a:schemeClr val="dk1"/>
+          </a:lnRef>
+          <a:fillRef idx="0">
+            <a:schemeClr val="dk1"/>
+          </a:fillRef>
+          <a:effectRef idx="0">
+            <a:schemeClr val="dk1"/>
+          </a:effectRef>
+          <a:fontRef idx="minor">
+            <a:schemeClr val="tx1"/>
+          </a:fontRef>
+        </p:style>
+      </p:cxnSp>
+      <p:cxnSp>
+        <p:nvCxnSpPr>
+          <p:cNvPr id="36" name="Straight Arrow Connector 35">
+            <a:extLst>
+              <a:ext uri="{FF2B5EF4-FFF2-40B4-BE49-F238E27FC236}">
+                <a16:creationId xmlns:a16="http://schemas.microsoft.com/office/drawing/2014/main" id="{83651E37-EF66-AB4B-929C-7106B1FA7145}"/>
+              </a:ext>
+            </a:extLst>
+          </p:cNvPr>
+          <p:cNvCxnSpPr>
+            <a:stCxn id="17" idx="7"/>
+            <a:endCxn id="41" idx="3"/>
+          </p:cNvCxnSpPr>
+          <p:nvPr/>
+        </p:nvCxnSpPr>
+        <p:spPr>
+          <a:xfrm flipV="1">
+            <a:off x="8552938" y="3832511"/>
+            <a:ext cx="909154" cy="536529"/>
+          </a:xfrm>
+          <a:prstGeom prst="straightConnector1">
+            <a:avLst/>
+          </a:prstGeom>
+          <a:ln w="38100">
+            <a:solidFill>
+              <a:srgbClr val="00B0F0"/>
+            </a:solidFill>
+            <a:headEnd type="oval" w="med" len="med"/>
+            <a:tailEnd type="triangle" w="lg" len="lg"/>
+          </a:ln>
+        </p:spPr>
+        <p:style>
+          <a:lnRef idx="1">
+            <a:schemeClr val="dk1"/>
+          </a:lnRef>
+          <a:fillRef idx="0">
+            <a:schemeClr val="dk1"/>
+          </a:fillRef>
+          <a:effectRef idx="0">
+            <a:schemeClr val="dk1"/>
+          </a:effectRef>
+          <a:fontRef idx="minor">
+            <a:schemeClr val="tx1"/>
+          </a:fontRef>
+        </p:style>
+      </p:cxnSp>
+      <p:cxnSp>
+        <p:nvCxnSpPr>
+          <p:cNvPr id="39" name="Straight Arrow Connector 38">
+            <a:extLst>
+              <a:ext uri="{FF2B5EF4-FFF2-40B4-BE49-F238E27FC236}">
+                <a16:creationId xmlns:a16="http://schemas.microsoft.com/office/drawing/2014/main" id="{446B1113-5811-CC48-A09E-EC86C567C026}"/>
+              </a:ext>
+            </a:extLst>
+          </p:cNvPr>
+          <p:cNvCxnSpPr>
+            <a:cxnSpLocks/>
+            <a:stCxn id="41" idx="7"/>
+            <a:endCxn id="1053" idx="2"/>
+          </p:cNvCxnSpPr>
+          <p:nvPr/>
+        </p:nvCxnSpPr>
+        <p:spPr>
+          <a:xfrm flipV="1">
+            <a:off x="10958860" y="1681693"/>
+            <a:ext cx="533965" cy="654050"/>
+          </a:xfrm>
+          <a:prstGeom prst="straightConnector1">
+            <a:avLst/>
+          </a:prstGeom>
+          <a:ln w="38100">
+            <a:solidFill>
+              <a:srgbClr val="00B0F0"/>
+            </a:solidFill>
+            <a:headEnd type="oval" w="med" len="med"/>
+            <a:tailEnd type="triangle" w="lg" len="lg"/>
+          </a:ln>
+        </p:spPr>
+        <p:style>
+          <a:lnRef idx="1">
+            <a:schemeClr val="dk1"/>
+          </a:lnRef>
+          <a:fillRef idx="0">
+            <a:schemeClr val="dk1"/>
+          </a:fillRef>
+          <a:effectRef idx="0">
+            <a:schemeClr val="dk1"/>
+          </a:effectRef>
+          <a:fontRef idx="minor">
+            <a:schemeClr val="tx1"/>
+          </a:fontRef>
+        </p:style>
+      </p:cxnSp>
+      <p:cxnSp>
+        <p:nvCxnSpPr>
+          <p:cNvPr id="42" name="Straight Arrow Connector 41">
+            <a:extLst>
+              <a:ext uri="{FF2B5EF4-FFF2-40B4-BE49-F238E27FC236}">
+                <a16:creationId xmlns:a16="http://schemas.microsoft.com/office/drawing/2014/main" id="{B226C7B7-90EE-6944-9557-1C886FF5CC9A}"/>
+              </a:ext>
+            </a:extLst>
+          </p:cNvPr>
+          <p:cNvCxnSpPr>
+            <a:stCxn id="38" idx="1"/>
+            <a:endCxn id="17" idx="6"/>
+          </p:cNvCxnSpPr>
+          <p:nvPr/>
+        </p:nvCxnSpPr>
+        <p:spPr>
+          <a:xfrm flipH="1" flipV="1">
+            <a:off x="8862929" y="5117424"/>
+            <a:ext cx="1960928" cy="1075093"/>
+          </a:xfrm>
+          <a:prstGeom prst="straightConnector1">
+            <a:avLst/>
+          </a:prstGeom>
+          <a:ln w="38100">
+            <a:solidFill>
+              <a:srgbClr val="FF0000"/>
+            </a:solidFill>
+            <a:headEnd type="oval" w="med" len="med"/>
+            <a:tailEnd type="triangle" w="lg" len="lg"/>
+          </a:ln>
+        </p:spPr>
+        <p:style>
+          <a:lnRef idx="1">
+            <a:schemeClr val="dk1"/>
+          </a:lnRef>
+          <a:fillRef idx="0">
+            <a:schemeClr val="dk1"/>
+          </a:fillRef>
+          <a:effectRef idx="0">
+            <a:schemeClr val="dk1"/>
+          </a:effectRef>
+          <a:fontRef idx="minor">
+            <a:schemeClr val="tx1"/>
+          </a:fontRef>
+        </p:style>
+      </p:cxnSp>
+      <p:cxnSp>
+        <p:nvCxnSpPr>
+          <p:cNvPr id="46" name="Straight Arrow Connector 45">
+            <a:extLst>
+              <a:ext uri="{FF2B5EF4-FFF2-40B4-BE49-F238E27FC236}">
+                <a16:creationId xmlns:a16="http://schemas.microsoft.com/office/drawing/2014/main" id="{D7CE58AB-51D6-E04C-9DA8-8893F74B8958}"/>
+              </a:ext>
+            </a:extLst>
+          </p:cNvPr>
+          <p:cNvCxnSpPr>
+            <a:stCxn id="17" idx="2"/>
+            <a:endCxn id="50" idx="6"/>
+          </p:cNvCxnSpPr>
+          <p:nvPr/>
+        </p:nvCxnSpPr>
+        <p:spPr>
+          <a:xfrm flipH="1">
+            <a:off x="5217003" y="5117424"/>
+            <a:ext cx="1529177" cy="603656"/>
+          </a:xfrm>
+          <a:prstGeom prst="straightConnector1">
+            <a:avLst/>
+          </a:prstGeom>
+          <a:ln w="38100">
+            <a:solidFill>
+              <a:srgbClr val="FF0000"/>
+            </a:solidFill>
+            <a:headEnd type="oval" w="med" len="med"/>
+            <a:tailEnd type="triangle" w="lg" len="lg"/>
+          </a:ln>
+        </p:spPr>
+        <p:style>
+          <a:lnRef idx="1">
+            <a:schemeClr val="dk1"/>
+          </a:lnRef>
+          <a:fillRef idx="0">
+            <a:schemeClr val="dk1"/>
+          </a:fillRef>
+          <a:effectRef idx="0">
+            <a:schemeClr val="dk1"/>
+          </a:effectRef>
+          <a:fontRef idx="minor">
+            <a:schemeClr val="tx1"/>
+          </a:fontRef>
+        </p:style>
+      </p:cxnSp>
+      <p:cxnSp>
+        <p:nvCxnSpPr>
+          <p:cNvPr id="48" name="Straight Arrow Connector 47">
+            <a:extLst>
+              <a:ext uri="{FF2B5EF4-FFF2-40B4-BE49-F238E27FC236}">
+                <a16:creationId xmlns:a16="http://schemas.microsoft.com/office/drawing/2014/main" id="{3AB748C1-756D-EF4F-BD8A-AC137CCA4EE3}"/>
+              </a:ext>
+            </a:extLst>
+          </p:cNvPr>
+          <p:cNvCxnSpPr>
+            <a:stCxn id="50" idx="1"/>
+            <a:endCxn id="105" idx="2"/>
+          </p:cNvCxnSpPr>
+          <p:nvPr/>
+        </p:nvCxnSpPr>
+        <p:spPr>
+          <a:xfrm flipH="1" flipV="1">
+            <a:off x="2757402" y="4667257"/>
+            <a:ext cx="652842" cy="305439"/>
+          </a:xfrm>
+          <a:prstGeom prst="straightConnector1">
+            <a:avLst/>
+          </a:prstGeom>
+          <a:ln w="38100">
+            <a:solidFill>
+              <a:srgbClr val="FF0000"/>
+            </a:solidFill>
+            <a:headEnd type="oval" w="med" len="med"/>
+            <a:tailEnd type="triangle" w="lg" len="lg"/>
+          </a:ln>
+        </p:spPr>
+        <p:style>
+          <a:lnRef idx="1">
+            <a:schemeClr val="dk1"/>
+          </a:lnRef>
+          <a:fillRef idx="0">
+            <a:schemeClr val="dk1"/>
+          </a:fillRef>
+          <a:effectRef idx="0">
+            <a:schemeClr val="dk1"/>
+          </a:effectRef>
+          <a:fontRef idx="minor">
+            <a:schemeClr val="tx1"/>
+          </a:fontRef>
+        </p:style>
+      </p:cxnSp>
+      <p:cxnSp>
+        <p:nvCxnSpPr>
+          <p:cNvPr id="72" name="Straight Arrow Connector 71">
+            <a:extLst>
+              <a:ext uri="{FF2B5EF4-FFF2-40B4-BE49-F238E27FC236}">
+                <a16:creationId xmlns:a16="http://schemas.microsoft.com/office/drawing/2014/main" id="{B044F1CA-15AB-6C4A-A92A-E58A4FF45FDD}"/>
+              </a:ext>
+            </a:extLst>
+          </p:cNvPr>
+          <p:cNvCxnSpPr>
+            <a:stCxn id="63" idx="3"/>
+            <a:endCxn id="30" idx="2"/>
+          </p:cNvCxnSpPr>
+          <p:nvPr/>
+        </p:nvCxnSpPr>
+        <p:spPr>
+          <a:xfrm>
+            <a:off x="3753137" y="821622"/>
+            <a:ext cx="1494868" cy="304524"/>
+          </a:xfrm>
+          <a:prstGeom prst="straightConnector1">
+            <a:avLst/>
+          </a:prstGeom>
+          <a:ln w="38100">
+            <a:solidFill>
+              <a:srgbClr val="00B050"/>
+            </a:solidFill>
+            <a:headEnd type="oval" w="med" len="med"/>
+            <a:tailEnd type="triangle" w="lg" len="lg"/>
+          </a:ln>
+        </p:spPr>
+        <p:style>
+          <a:lnRef idx="1">
+            <a:schemeClr val="dk1"/>
+          </a:lnRef>
+          <a:fillRef idx="0">
+            <a:schemeClr val="dk1"/>
+          </a:fillRef>
+          <a:effectRef idx="0">
+            <a:schemeClr val="dk1"/>
+          </a:effectRef>
+          <a:fontRef idx="minor">
+            <a:schemeClr val="tx1"/>
+          </a:fontRef>
+        </p:style>
+      </p:cxnSp>
+      <p:cxnSp>
+        <p:nvCxnSpPr>
+          <p:cNvPr id="74" name="Straight Arrow Connector 73">
+            <a:extLst>
+              <a:ext uri="{FF2B5EF4-FFF2-40B4-BE49-F238E27FC236}">
+                <a16:creationId xmlns:a16="http://schemas.microsoft.com/office/drawing/2014/main" id="{F2D6F4ED-9672-014F-AC5E-764DF2527CDD}"/>
+              </a:ext>
+            </a:extLst>
+          </p:cNvPr>
+          <p:cNvCxnSpPr>
+            <a:stCxn id="30" idx="6"/>
+            <a:endCxn id="41" idx="2"/>
+          </p:cNvCxnSpPr>
+          <p:nvPr/>
+        </p:nvCxnSpPr>
+        <p:spPr>
+          <a:xfrm>
+            <a:off x="7364755" y="1126146"/>
+            <a:ext cx="1787346" cy="1957981"/>
+          </a:xfrm>
+          <a:prstGeom prst="straightConnector1">
+            <a:avLst/>
+          </a:prstGeom>
+          <a:ln w="38100">
+            <a:solidFill>
+              <a:srgbClr val="00B050"/>
+            </a:solidFill>
+            <a:headEnd type="oval" w="med" len="med"/>
+            <a:tailEnd type="triangle" w="lg" len="lg"/>
+          </a:ln>
+        </p:spPr>
+        <p:style>
+          <a:lnRef idx="1">
+            <a:schemeClr val="dk1"/>
+          </a:lnRef>
+          <a:fillRef idx="0">
+            <a:schemeClr val="dk1"/>
+          </a:fillRef>
+          <a:effectRef idx="0">
+            <a:schemeClr val="dk1"/>
+          </a:effectRef>
+          <a:fontRef idx="minor">
+            <a:schemeClr val="tx1"/>
+          </a:fontRef>
+        </p:style>
+      </p:cxnSp>
+      <p:cxnSp>
+        <p:nvCxnSpPr>
+          <p:cNvPr id="76" name="Straight Arrow Connector 75">
+            <a:extLst>
+              <a:ext uri="{FF2B5EF4-FFF2-40B4-BE49-F238E27FC236}">
+                <a16:creationId xmlns:a16="http://schemas.microsoft.com/office/drawing/2014/main" id="{1F214571-9DFA-C744-8B38-6975D93168A3}"/>
+              </a:ext>
+            </a:extLst>
+          </p:cNvPr>
+          <p:cNvCxnSpPr>
+            <a:cxnSpLocks/>
+            <a:stCxn id="41" idx="6"/>
+            <a:endCxn id="103" idx="0"/>
+          </p:cNvCxnSpPr>
+          <p:nvPr/>
+        </p:nvCxnSpPr>
+        <p:spPr>
+          <a:xfrm>
+            <a:off x="11268851" y="3084127"/>
+            <a:ext cx="188725" cy="1209846"/>
+          </a:xfrm>
+          <a:prstGeom prst="straightConnector1">
+            <a:avLst/>
+          </a:prstGeom>
+          <a:ln w="38100">
+            <a:solidFill>
+              <a:srgbClr val="00B050"/>
+            </a:solidFill>
+            <a:headEnd type="oval" w="med" len="med"/>
+            <a:tailEnd type="triangle" w="lg" len="lg"/>
+          </a:ln>
+        </p:spPr>
+        <p:style>
+          <a:lnRef idx="1">
+            <a:schemeClr val="dk1"/>
+          </a:lnRef>
+          <a:fillRef idx="0">
+            <a:schemeClr val="dk1"/>
+          </a:fillRef>
+          <a:effectRef idx="0">
+            <a:schemeClr val="dk1"/>
+          </a:effectRef>
+          <a:fontRef idx="minor">
+            <a:schemeClr val="tx1"/>
+          </a:fontRef>
+        </p:style>
+      </p:cxnSp>
+      <p:cxnSp>
+        <p:nvCxnSpPr>
+          <p:cNvPr id="82" name="Straight Arrow Connector 81">
+            <a:extLst>
+              <a:ext uri="{FF2B5EF4-FFF2-40B4-BE49-F238E27FC236}">
+                <a16:creationId xmlns:a16="http://schemas.microsoft.com/office/drawing/2014/main" id="{F34B5B62-BCC6-A04A-8E87-6EEF84AF7A4F}"/>
+              </a:ext>
+            </a:extLst>
+          </p:cNvPr>
+          <p:cNvCxnSpPr>
+            <a:stCxn id="65" idx="1"/>
+            <a:endCxn id="30" idx="6"/>
+          </p:cNvCxnSpPr>
+          <p:nvPr/>
+        </p:nvCxnSpPr>
+        <p:spPr>
+          <a:xfrm flipH="1" flipV="1">
+            <a:off x="7364755" y="1126146"/>
+            <a:ext cx="1555106" cy="74658"/>
+          </a:xfrm>
+          <a:prstGeom prst="straightConnector1">
+            <a:avLst/>
+          </a:prstGeom>
+          <a:ln w="38100">
+            <a:tailEnd type="triangle" w="lg" len="lg"/>
+          </a:ln>
+        </p:spPr>
+        <p:style>
+          <a:lnRef idx="1">
+            <a:schemeClr val="accent1"/>
+          </a:lnRef>
+          <a:fillRef idx="0">
+            <a:schemeClr val="accent1"/>
+          </a:fillRef>
+          <a:effectRef idx="0">
+            <a:schemeClr val="accent1"/>
+          </a:effectRef>
+          <a:fontRef idx="minor">
+            <a:schemeClr val="tx1"/>
+          </a:fontRef>
+        </p:style>
+      </p:cxnSp>
+      <p:cxnSp>
+        <p:nvCxnSpPr>
+          <p:cNvPr id="84" name="Straight Arrow Connector 83">
+            <a:extLst>
+              <a:ext uri="{FF2B5EF4-FFF2-40B4-BE49-F238E27FC236}">
+                <a16:creationId xmlns:a16="http://schemas.microsoft.com/office/drawing/2014/main" id="{C159AB5B-D3AB-BF4D-A4C4-3FB5721CD6BB}"/>
+              </a:ext>
+            </a:extLst>
+          </p:cNvPr>
+          <p:cNvCxnSpPr>
+            <a:cxnSpLocks/>
+            <a:stCxn id="30" idx="3"/>
+            <a:endCxn id="45" idx="0"/>
+          </p:cNvCxnSpPr>
+          <p:nvPr/>
+        </p:nvCxnSpPr>
+        <p:spPr>
+          <a:xfrm flipH="1">
+            <a:off x="4619346" y="1874530"/>
+            <a:ext cx="938650" cy="302694"/>
+          </a:xfrm>
+          <a:prstGeom prst="straightConnector1">
+            <a:avLst/>
+          </a:prstGeom>
+          <a:ln w="38100">
+            <a:solidFill>
+              <a:schemeClr val="accent1"/>
+            </a:solidFill>
+            <a:headEnd type="oval" w="med" len="med"/>
+            <a:tailEnd type="triangle" w="lg" len="lg"/>
+          </a:ln>
+        </p:spPr>
+        <p:style>
+          <a:lnRef idx="1">
+            <a:schemeClr val="dk1"/>
+          </a:lnRef>
+          <a:fillRef idx="0">
+            <a:schemeClr val="dk1"/>
+          </a:fillRef>
+          <a:effectRef idx="0">
+            <a:schemeClr val="dk1"/>
+          </a:effectRef>
+          <a:fontRef idx="minor">
+            <a:schemeClr val="tx1"/>
+          </a:fontRef>
+        </p:style>
+      </p:cxnSp>
+      <p:cxnSp>
+        <p:nvCxnSpPr>
+          <p:cNvPr id="87" name="Straight Arrow Connector 86">
+            <a:extLst>
+              <a:ext uri="{FF2B5EF4-FFF2-40B4-BE49-F238E27FC236}">
+                <a16:creationId xmlns:a16="http://schemas.microsoft.com/office/drawing/2014/main" id="{4B213F0D-9F31-E141-B8DF-C8BF47DDFEC3}"/>
+              </a:ext>
+            </a:extLst>
+          </p:cNvPr>
+          <p:cNvCxnSpPr>
+            <a:stCxn id="45" idx="1"/>
+            <a:endCxn id="106" idx="2"/>
+          </p:cNvCxnSpPr>
+          <p:nvPr/>
+        </p:nvCxnSpPr>
+        <p:spPr>
+          <a:xfrm flipH="1" flipV="1">
+            <a:off x="1879375" y="1412871"/>
+            <a:ext cx="1991586" cy="1074343"/>
+          </a:xfrm>
+          <a:prstGeom prst="straightConnector1">
+            <a:avLst/>
+          </a:prstGeom>
+          <a:ln w="38100">
+            <a:solidFill>
+              <a:schemeClr val="accent1"/>
+            </a:solidFill>
+            <a:headEnd type="oval" w="med" len="med"/>
+            <a:tailEnd type="triangle" w="lg" len="lg"/>
+          </a:ln>
+        </p:spPr>
+        <p:style>
+          <a:lnRef idx="1">
+            <a:schemeClr val="dk1"/>
+          </a:lnRef>
+          <a:fillRef idx="0">
+            <a:schemeClr val="dk1"/>
+          </a:fillRef>
+          <a:effectRef idx="0">
+            <a:schemeClr val="dk1"/>
+          </a:effectRef>
+          <a:fontRef idx="minor">
+            <a:schemeClr val="tx1"/>
+          </a:fontRef>
+        </p:style>
+      </p:cxnSp>
+    </p:spTree>
+    <p:extLst>
+      <p:ext uri="{BB962C8B-B14F-4D97-AF65-F5344CB8AC3E}">
+        <p14:creationId xmlns:p14="http://schemas.microsoft.com/office/powerpoint/2010/main" val="2140249360"/>
+      </p:ext>
+    </p:extLst>
+  </p:cSld>
+  <p:clrMapOvr>
+    <a:masterClrMapping/>
+  </p:clrMapOvr>
+</p:sld>
+</file>
+
+<file path=ppt/slides/slide3.xml><?xml version="1.0" encoding="utf-8"?>
+<p:sld xmlns:a="http://schemas.openxmlformats.org/drawingml/2006/main" xmlns:r="http://schemas.openxmlformats.org/officeDocument/2006/relationships" xmlns:p="http://schemas.openxmlformats.org/presentationml/2006/main">
+  <p:cSld>
+    <p:spTree>
+      <p:nvGrpSpPr>
+        <p:cNvPr id="1" name=""/>
+        <p:cNvGrpSpPr/>
+        <p:nvPr/>
+      </p:nvGrpSpPr>
+      <p:grpSpPr>
+        <a:xfrm>
+          <a:off x="0" y="0"/>
+          <a:ext cx="0" cy="0"/>
+          <a:chOff x="0" y="0"/>
+          <a:chExt cx="0" cy="0"/>
+        </a:xfrm>
+      </p:grpSpPr>
       <p:pic>
         <p:nvPicPr>
           <p:cNvPr id="3" name="Picture 2" descr="Shape&#10;&#10;Description automatically generated with low confidence">
@@ -6283,7 +8180,7 @@
 </p:sld>
 </file>
 
-<file path=ppt/slides/slide3.xml><?xml version="1.0" encoding="utf-8"?>
+<file path=ppt/slides/slide4.xml><?xml version="1.0" encoding="utf-8"?>
 <p:sld xmlns:a="http://schemas.openxmlformats.org/drawingml/2006/main" xmlns:r="http://schemas.openxmlformats.org/officeDocument/2006/relationships" xmlns:p="http://schemas.openxmlformats.org/presentationml/2006/main">
   <p:cSld>
     <p:spTree>
